--- a/01 Digitization/Digitization_Light.pptx
+++ b/01 Digitization/Digitization_Light.pptx
@@ -32,8 +32,8 @@
     <p:sldId id="275" r:id="rId23"/>
     <p:sldId id="276" r:id="rId24"/>
     <p:sldId id="277" r:id="rId25"/>
-    <p:sldId id="278" r:id="rId26"/>
-    <p:sldId id="279" r:id="rId27"/>
+    <p:sldId id="279" r:id="rId26"/>
+    <p:sldId id="278" r:id="rId27"/>
     <p:sldId id="280" r:id="rId28"/>
     <p:sldId id="281" r:id="rId29"/>
     <p:sldId id="282" r:id="rId30"/>
@@ -2686,7 +2686,7 @@
   <p:cSld>
     <p:spTree>
       <p:nvGrpSpPr>
-        <p:cNvPr id="1" name="Shape 351"/>
+        <p:cNvPr id="1" name="Shape 359"/>
         <p:cNvGrpSpPr/>
         <p:nvPr/>
       </p:nvGrpSpPr>
@@ -2700,7 +2700,7 @@
       </p:grpSpPr>
       <p:sp>
         <p:nvSpPr>
-          <p:cNvPr id="352" name="Google Shape;352;p22:notes"/>
+          <p:cNvPr id="360" name="Google Shape;360;p23:notes"/>
           <p:cNvSpPr txBox="1">
             <a:spLocks noGrp="1"/>
           </p:cNvSpPr>
@@ -2732,273 +2732,13 @@
               </a:spcAft>
               <a:buNone/>
             </a:pPr>
-            <a:r>
-              <a:rPr lang="en-US" sz="1200" dirty="0">
-                <a:latin typeface="Arial"/>
-                <a:ea typeface="Arial"/>
-                <a:cs typeface="Arial"/>
-                <a:sym typeface="Arial"/>
-              </a:rPr>
-              <a:t>YUV used for historical reasons (</a:t>
-            </a:r>
-            <a:r>
-              <a:rPr lang="en-US" sz="1200" dirty="0" err="1">
-                <a:latin typeface="Arial"/>
-                <a:ea typeface="Arial"/>
-                <a:cs typeface="Arial"/>
-                <a:sym typeface="Arial"/>
-              </a:rPr>
-              <a:t>colour</a:t>
-            </a:r>
-            <a:r>
-              <a:rPr lang="en-US" sz="1200" dirty="0">
-                <a:latin typeface="Arial"/>
-                <a:ea typeface="Arial"/>
-                <a:cs typeface="Arial"/>
-                <a:sym typeface="Arial"/>
-              </a:rPr>
-              <a:t> TV existing alongside B&amp;W TV).</a:t>
-            </a:r>
-            <a:endParaRPr sz="1200" dirty="0">
-              <a:latin typeface="Arial"/>
-              <a:ea typeface="Arial"/>
-              <a:cs typeface="Arial"/>
-              <a:sym typeface="Arial"/>
-            </a:endParaRPr>
-          </a:p>
-          <a:p>
-            <a:pPr marL="0" lvl="0" indent="0" algn="l" rtl="0">
-              <a:spcBef>
-                <a:spcPts val="0"/>
-              </a:spcBef>
-              <a:spcAft>
-                <a:spcPts val="0"/>
-              </a:spcAft>
-              <a:buNone/>
-            </a:pPr>
-            <a:r>
-              <a:rPr lang="en-US" sz="1200" dirty="0">
-                <a:latin typeface="Arial"/>
-                <a:ea typeface="Arial"/>
-                <a:cs typeface="Arial"/>
-                <a:sym typeface="Arial"/>
-              </a:rPr>
-              <a:t>Nevertheless, the usage of such a system nicely fits HVS. We can reduce </a:t>
-            </a:r>
-            <a:r>
-              <a:rPr lang="en-US" sz="1200" dirty="0" err="1">
-                <a:latin typeface="Arial"/>
-                <a:ea typeface="Arial"/>
-                <a:cs typeface="Arial"/>
-                <a:sym typeface="Arial"/>
-              </a:rPr>
-              <a:t>colour</a:t>
-            </a:r>
-            <a:r>
-              <a:rPr lang="en-US" sz="1200" dirty="0">
-                <a:latin typeface="Arial"/>
-                <a:ea typeface="Arial"/>
-                <a:cs typeface="Arial"/>
-                <a:sym typeface="Arial"/>
-              </a:rPr>
-              <a:t> channels bandwidth without losing the perceptual quality.</a:t>
-            </a:r>
-          </a:p>
-          <a:p>
-            <a:pPr marL="0" lvl="0" indent="0" algn="l" rtl="0">
-              <a:spcBef>
-                <a:spcPts val="0"/>
-              </a:spcBef>
-              <a:spcAft>
-                <a:spcPts val="0"/>
-              </a:spcAft>
-              <a:buNone/>
-            </a:pPr>
-            <a:endParaRPr lang="en-US" sz="1200" dirty="0">
-              <a:latin typeface="Arial"/>
-              <a:ea typeface="Arial"/>
-              <a:cs typeface="Arial"/>
-              <a:sym typeface="Arial"/>
-            </a:endParaRPr>
-          </a:p>
-          <a:p>
-            <a:pPr marL="0" lvl="0" indent="0" algn="l" rtl="0">
-              <a:spcBef>
-                <a:spcPts val="0"/>
-              </a:spcBef>
-              <a:spcAft>
-                <a:spcPts val="0"/>
-              </a:spcAft>
-              <a:buNone/>
-            </a:pPr>
-            <a:r>
-              <a:rPr lang="en-US" sz="1200" dirty="0" err="1">
-                <a:latin typeface="Arial"/>
-                <a:ea typeface="Arial"/>
-                <a:cs typeface="Arial"/>
-                <a:sym typeface="Arial"/>
-              </a:rPr>
-              <a:t>FourCC</a:t>
-            </a:r>
-            <a:r>
-              <a:rPr lang="en-US" sz="1200" dirty="0">
-                <a:latin typeface="Arial"/>
-                <a:ea typeface="Arial"/>
-                <a:cs typeface="Arial"/>
-                <a:sym typeface="Arial"/>
-              </a:rPr>
-              <a:t>—’</a:t>
-            </a:r>
-            <a:r>
-              <a:rPr lang="en-GB" sz="1050" dirty="0"/>
-              <a:t>A </a:t>
-            </a:r>
-            <a:r>
-              <a:rPr lang="en-GB" sz="1050" dirty="0" err="1"/>
-              <a:t>FourCC</a:t>
-            </a:r>
-            <a:r>
-              <a:rPr lang="en-GB" sz="1050" dirty="0"/>
-              <a:t> is a sequence of four bytes used to uniquely identify data formats. It originated from the </a:t>
-            </a:r>
-            <a:r>
-              <a:rPr lang="en-GB" sz="1050" dirty="0" err="1"/>
-              <a:t>OSType</a:t>
-            </a:r>
-            <a:r>
-              <a:rPr lang="en-GB" sz="1050" dirty="0"/>
-              <a:t> or </a:t>
-            </a:r>
-            <a:r>
-              <a:rPr lang="en-GB" sz="1050" dirty="0" err="1"/>
-              <a:t>ResType</a:t>
-            </a:r>
-            <a:r>
-              <a:rPr lang="en-GB" sz="1050" dirty="0"/>
-              <a:t> metadata system used in classic Mac OS and was adopted for the Amiga/Electronic Arts Interchange File Format and derivatives. The idea was later reused to identify compressed data types in QuickTime and DirectShow.’</a:t>
-            </a:r>
-            <a:r>
-              <a:rPr lang="en-GB" sz="2800" b="0" i="0" u="none" strike="noStrike" cap="none" dirty="0">
-                <a:solidFill>
-                  <a:srgbClr val="000000"/>
-                </a:solidFill>
-                <a:latin typeface="Arial"/>
-                <a:cs typeface="Arial"/>
-                <a:sym typeface="Arial"/>
-              </a:rPr>
-              <a:t> (from Wikipedia) Examples: YV12 (=YUV420p)</a:t>
-            </a:r>
-            <a:endParaRPr lang="pl-PL" sz="2800" b="0" i="0" u="none" strike="noStrike" cap="none" dirty="0">
-              <a:solidFill>
-                <a:srgbClr val="000000"/>
-              </a:solidFill>
-              <a:latin typeface="Arial"/>
-              <a:cs typeface="Arial"/>
-              <a:sym typeface="Arial"/>
-            </a:endParaRPr>
-          </a:p>
-          <a:p>
-            <a:pPr marL="0" lvl="0" indent="0" algn="l" rtl="0">
-              <a:spcBef>
-                <a:spcPts val="0"/>
-              </a:spcBef>
-              <a:spcAft>
-                <a:spcPts val="0"/>
-              </a:spcAft>
-              <a:buNone/>
-            </a:pPr>
-            <a:endParaRPr lang="pl-PL" sz="2800" b="0" i="0" u="none" strike="noStrike" cap="none" dirty="0">
-              <a:solidFill>
-                <a:srgbClr val="000000"/>
-              </a:solidFill>
-              <a:latin typeface="Arial"/>
-              <a:ea typeface="Arial"/>
-              <a:cs typeface="Arial"/>
-              <a:sym typeface="Arial"/>
-            </a:endParaRPr>
-          </a:p>
-          <a:p>
-            <a:pPr marL="0" lvl="0" indent="0" algn="l" rtl="0">
-              <a:spcBef>
-                <a:spcPts val="0"/>
-              </a:spcBef>
-              <a:spcAft>
-                <a:spcPts val="0"/>
-              </a:spcAft>
-              <a:buNone/>
-            </a:pPr>
-            <a:r>
-              <a:rPr lang="pl-PL" sz="2800" b="0" i="0" u="none" strike="noStrike" cap="none" dirty="0" err="1">
-                <a:solidFill>
-                  <a:srgbClr val="000000"/>
-                </a:solidFill>
-                <a:latin typeface="Arial"/>
-                <a:ea typeface="Arial"/>
-                <a:cs typeface="Arial"/>
-                <a:sym typeface="Arial"/>
-              </a:rPr>
-              <a:t>Mention</a:t>
-            </a:r>
-            <a:r>
-              <a:rPr lang="pl-PL" sz="2800" b="0" i="0" u="none" strike="noStrike" cap="none" dirty="0">
-                <a:solidFill>
-                  <a:srgbClr val="000000"/>
-                </a:solidFill>
-                <a:latin typeface="Arial"/>
-                <a:ea typeface="Arial"/>
-                <a:cs typeface="Arial"/>
-                <a:sym typeface="Arial"/>
-              </a:rPr>
-              <a:t> </a:t>
-            </a:r>
-            <a:r>
-              <a:rPr lang="pl-PL" sz="2800" b="0" i="0" u="none" strike="noStrike" cap="none" dirty="0" err="1">
-                <a:solidFill>
-                  <a:srgbClr val="000000"/>
-                </a:solidFill>
-                <a:latin typeface="Arial"/>
-                <a:ea typeface="Arial"/>
-                <a:cs typeface="Arial"/>
-                <a:sym typeface="Arial"/>
-              </a:rPr>
-              <a:t>that</a:t>
-            </a:r>
-            <a:r>
-              <a:rPr lang="pl-PL" sz="2800" b="0" i="0" u="none" strike="noStrike" cap="none" dirty="0">
-                <a:solidFill>
-                  <a:srgbClr val="000000"/>
-                </a:solidFill>
-                <a:latin typeface="Arial"/>
-                <a:ea typeface="Arial"/>
-                <a:cs typeface="Arial"/>
-                <a:sym typeface="Arial"/>
-              </a:rPr>
-              <a:t> Y’</a:t>
-            </a:r>
-            <a:r>
-              <a:rPr lang="en-GB" sz="2800" b="0" i="0" u="none" strike="noStrike" cap="none" dirty="0">
-                <a:solidFill>
-                  <a:srgbClr val="000000"/>
-                </a:solidFill>
-                <a:latin typeface="Arial"/>
-                <a:ea typeface="Arial"/>
-                <a:cs typeface="Arial"/>
-                <a:sym typeface="Arial"/>
-              </a:rPr>
-              <a:t> means luma (i.e., perceptually uniform brightness).</a:t>
-            </a:r>
-            <a:endParaRPr sz="1200" dirty="0">
-              <a:latin typeface="Arial"/>
-              <a:ea typeface="Arial"/>
-              <a:cs typeface="Arial"/>
-              <a:sym typeface="Arial"/>
-            </a:endParaRPr>
+            <a:endParaRPr/>
           </a:p>
         </p:txBody>
       </p:sp>
       <p:sp>
         <p:nvSpPr>
-          <p:cNvPr id="353" name="Google Shape;353;p22:notes"/>
+          <p:cNvPr id="361" name="Google Shape;361;p23:notes"/>
           <p:cNvSpPr>
             <a:spLocks noGrp="1" noRot="1" noChangeAspect="1"/>
           </p:cNvSpPr>
@@ -3050,7 +2790,7 @@
   <p:cSld>
     <p:spTree>
       <p:nvGrpSpPr>
-        <p:cNvPr id="1" name="Shape 359"/>
+        <p:cNvPr id="1" name="Shape 351"/>
         <p:cNvGrpSpPr/>
         <p:nvPr/>
       </p:nvGrpSpPr>
@@ -3064,7 +2804,7 @@
       </p:grpSpPr>
       <p:sp>
         <p:nvSpPr>
-          <p:cNvPr id="360" name="Google Shape;360;p23:notes"/>
+          <p:cNvPr id="352" name="Google Shape;352;p22:notes"/>
           <p:cNvSpPr txBox="1">
             <a:spLocks noGrp="1"/>
           </p:cNvSpPr>
@@ -3096,13 +2836,273 @@
               </a:spcAft>
               <a:buNone/>
             </a:pPr>
-            <a:endParaRPr/>
+            <a:r>
+              <a:rPr lang="en-US" sz="1200" dirty="0">
+                <a:latin typeface="Arial"/>
+                <a:ea typeface="Arial"/>
+                <a:cs typeface="Arial"/>
+                <a:sym typeface="Arial"/>
+              </a:rPr>
+              <a:t>YUV used for historical reasons (</a:t>
+            </a:r>
+            <a:r>
+              <a:rPr lang="en-US" sz="1200" dirty="0" err="1">
+                <a:latin typeface="Arial"/>
+                <a:ea typeface="Arial"/>
+                <a:cs typeface="Arial"/>
+                <a:sym typeface="Arial"/>
+              </a:rPr>
+              <a:t>colour</a:t>
+            </a:r>
+            <a:r>
+              <a:rPr lang="en-US" sz="1200" dirty="0">
+                <a:latin typeface="Arial"/>
+                <a:ea typeface="Arial"/>
+                <a:cs typeface="Arial"/>
+                <a:sym typeface="Arial"/>
+              </a:rPr>
+              <a:t> TV existing alongside B&amp;W TV).</a:t>
+            </a:r>
+            <a:endParaRPr sz="1200" dirty="0">
+              <a:latin typeface="Arial"/>
+              <a:ea typeface="Arial"/>
+              <a:cs typeface="Arial"/>
+              <a:sym typeface="Arial"/>
+            </a:endParaRPr>
+          </a:p>
+          <a:p>
+            <a:pPr marL="0" lvl="0" indent="0" algn="l" rtl="0">
+              <a:spcBef>
+                <a:spcPts val="0"/>
+              </a:spcBef>
+              <a:spcAft>
+                <a:spcPts val="0"/>
+              </a:spcAft>
+              <a:buNone/>
+            </a:pPr>
+            <a:r>
+              <a:rPr lang="en-US" sz="1200" dirty="0">
+                <a:latin typeface="Arial"/>
+                <a:ea typeface="Arial"/>
+                <a:cs typeface="Arial"/>
+                <a:sym typeface="Arial"/>
+              </a:rPr>
+              <a:t>Nevertheless, the usage of such a system nicely fits HVS. We can reduce </a:t>
+            </a:r>
+            <a:r>
+              <a:rPr lang="en-US" sz="1200" dirty="0" err="1">
+                <a:latin typeface="Arial"/>
+                <a:ea typeface="Arial"/>
+                <a:cs typeface="Arial"/>
+                <a:sym typeface="Arial"/>
+              </a:rPr>
+              <a:t>colour</a:t>
+            </a:r>
+            <a:r>
+              <a:rPr lang="en-US" sz="1200" dirty="0">
+                <a:latin typeface="Arial"/>
+                <a:ea typeface="Arial"/>
+                <a:cs typeface="Arial"/>
+                <a:sym typeface="Arial"/>
+              </a:rPr>
+              <a:t> channels bandwidth without losing the perceptual quality.</a:t>
+            </a:r>
+          </a:p>
+          <a:p>
+            <a:pPr marL="0" lvl="0" indent="0" algn="l" rtl="0">
+              <a:spcBef>
+                <a:spcPts val="0"/>
+              </a:spcBef>
+              <a:spcAft>
+                <a:spcPts val="0"/>
+              </a:spcAft>
+              <a:buNone/>
+            </a:pPr>
+            <a:endParaRPr lang="en-US" sz="1200" dirty="0">
+              <a:latin typeface="Arial"/>
+              <a:ea typeface="Arial"/>
+              <a:cs typeface="Arial"/>
+              <a:sym typeface="Arial"/>
+            </a:endParaRPr>
+          </a:p>
+          <a:p>
+            <a:pPr marL="0" lvl="0" indent="0" algn="l" rtl="0">
+              <a:spcBef>
+                <a:spcPts val="0"/>
+              </a:spcBef>
+              <a:spcAft>
+                <a:spcPts val="0"/>
+              </a:spcAft>
+              <a:buNone/>
+            </a:pPr>
+            <a:r>
+              <a:rPr lang="en-US" sz="1200" dirty="0" err="1">
+                <a:latin typeface="Arial"/>
+                <a:ea typeface="Arial"/>
+                <a:cs typeface="Arial"/>
+                <a:sym typeface="Arial"/>
+              </a:rPr>
+              <a:t>FourCC</a:t>
+            </a:r>
+            <a:r>
+              <a:rPr lang="en-US" sz="1200" dirty="0">
+                <a:latin typeface="Arial"/>
+                <a:ea typeface="Arial"/>
+                <a:cs typeface="Arial"/>
+                <a:sym typeface="Arial"/>
+              </a:rPr>
+              <a:t>—’</a:t>
+            </a:r>
+            <a:r>
+              <a:rPr lang="en-GB" sz="1050" dirty="0"/>
+              <a:t>A </a:t>
+            </a:r>
+            <a:r>
+              <a:rPr lang="en-GB" sz="1050" dirty="0" err="1"/>
+              <a:t>FourCC</a:t>
+            </a:r>
+            <a:r>
+              <a:rPr lang="en-GB" sz="1050" dirty="0"/>
+              <a:t> is a sequence of four bytes used to uniquely identify data formats. It originated from the </a:t>
+            </a:r>
+            <a:r>
+              <a:rPr lang="en-GB" sz="1050" dirty="0" err="1"/>
+              <a:t>OSType</a:t>
+            </a:r>
+            <a:r>
+              <a:rPr lang="en-GB" sz="1050" dirty="0"/>
+              <a:t> or </a:t>
+            </a:r>
+            <a:r>
+              <a:rPr lang="en-GB" sz="1050" dirty="0" err="1"/>
+              <a:t>ResType</a:t>
+            </a:r>
+            <a:r>
+              <a:rPr lang="en-GB" sz="1050" dirty="0"/>
+              <a:t> metadata system used in classic Mac OS and was adopted for the Amiga/Electronic Arts Interchange File Format and derivatives. The idea was later reused to identify compressed data types in QuickTime and DirectShow.’</a:t>
+            </a:r>
+            <a:r>
+              <a:rPr lang="en-GB" sz="2800" b="0" i="0" u="none" strike="noStrike" cap="none" dirty="0">
+                <a:solidFill>
+                  <a:srgbClr val="000000"/>
+                </a:solidFill>
+                <a:latin typeface="Arial"/>
+                <a:cs typeface="Arial"/>
+                <a:sym typeface="Arial"/>
+              </a:rPr>
+              <a:t> (from Wikipedia) Examples: YV12 (=YUV420p)</a:t>
+            </a:r>
+            <a:endParaRPr lang="pl-PL" sz="2800" b="0" i="0" u="none" strike="noStrike" cap="none" dirty="0">
+              <a:solidFill>
+                <a:srgbClr val="000000"/>
+              </a:solidFill>
+              <a:latin typeface="Arial"/>
+              <a:cs typeface="Arial"/>
+              <a:sym typeface="Arial"/>
+            </a:endParaRPr>
+          </a:p>
+          <a:p>
+            <a:pPr marL="0" lvl="0" indent="0" algn="l" rtl="0">
+              <a:spcBef>
+                <a:spcPts val="0"/>
+              </a:spcBef>
+              <a:spcAft>
+                <a:spcPts val="0"/>
+              </a:spcAft>
+              <a:buNone/>
+            </a:pPr>
+            <a:endParaRPr lang="pl-PL" sz="2800" b="0" i="0" u="none" strike="noStrike" cap="none" dirty="0">
+              <a:solidFill>
+                <a:srgbClr val="000000"/>
+              </a:solidFill>
+              <a:latin typeface="Arial"/>
+              <a:ea typeface="Arial"/>
+              <a:cs typeface="Arial"/>
+              <a:sym typeface="Arial"/>
+            </a:endParaRPr>
+          </a:p>
+          <a:p>
+            <a:pPr marL="0" lvl="0" indent="0" algn="l" rtl="0">
+              <a:spcBef>
+                <a:spcPts val="0"/>
+              </a:spcBef>
+              <a:spcAft>
+                <a:spcPts val="0"/>
+              </a:spcAft>
+              <a:buNone/>
+            </a:pPr>
+            <a:r>
+              <a:rPr lang="pl-PL" sz="2800" b="0" i="0" u="none" strike="noStrike" cap="none" dirty="0" err="1">
+                <a:solidFill>
+                  <a:srgbClr val="000000"/>
+                </a:solidFill>
+                <a:latin typeface="Arial"/>
+                <a:ea typeface="Arial"/>
+                <a:cs typeface="Arial"/>
+                <a:sym typeface="Arial"/>
+              </a:rPr>
+              <a:t>Mention</a:t>
+            </a:r>
+            <a:r>
+              <a:rPr lang="pl-PL" sz="2800" b="0" i="0" u="none" strike="noStrike" cap="none" dirty="0">
+                <a:solidFill>
+                  <a:srgbClr val="000000"/>
+                </a:solidFill>
+                <a:latin typeface="Arial"/>
+                <a:ea typeface="Arial"/>
+                <a:cs typeface="Arial"/>
+                <a:sym typeface="Arial"/>
+              </a:rPr>
+              <a:t> </a:t>
+            </a:r>
+            <a:r>
+              <a:rPr lang="pl-PL" sz="2800" b="0" i="0" u="none" strike="noStrike" cap="none" dirty="0" err="1">
+                <a:solidFill>
+                  <a:srgbClr val="000000"/>
+                </a:solidFill>
+                <a:latin typeface="Arial"/>
+                <a:ea typeface="Arial"/>
+                <a:cs typeface="Arial"/>
+                <a:sym typeface="Arial"/>
+              </a:rPr>
+              <a:t>that</a:t>
+            </a:r>
+            <a:r>
+              <a:rPr lang="pl-PL" sz="2800" b="0" i="0" u="none" strike="noStrike" cap="none" dirty="0">
+                <a:solidFill>
+                  <a:srgbClr val="000000"/>
+                </a:solidFill>
+                <a:latin typeface="Arial"/>
+                <a:ea typeface="Arial"/>
+                <a:cs typeface="Arial"/>
+                <a:sym typeface="Arial"/>
+              </a:rPr>
+              <a:t> Y’</a:t>
+            </a:r>
+            <a:r>
+              <a:rPr lang="en-GB" sz="2800" b="0" i="0" u="none" strike="noStrike" cap="none" dirty="0">
+                <a:solidFill>
+                  <a:srgbClr val="000000"/>
+                </a:solidFill>
+                <a:latin typeface="Arial"/>
+                <a:ea typeface="Arial"/>
+                <a:cs typeface="Arial"/>
+                <a:sym typeface="Arial"/>
+              </a:rPr>
+              <a:t> means luma (i.e., perceptually uniform brightness).</a:t>
+            </a:r>
+            <a:endParaRPr sz="1200" dirty="0">
+              <a:latin typeface="Arial"/>
+              <a:ea typeface="Arial"/>
+              <a:cs typeface="Arial"/>
+              <a:sym typeface="Arial"/>
+            </a:endParaRPr>
           </a:p>
         </p:txBody>
       </p:sp>
       <p:sp>
         <p:nvSpPr>
-          <p:cNvPr id="361" name="Google Shape;361;p23:notes"/>
+          <p:cNvPr id="353" name="Google Shape;353;p22:notes"/>
           <p:cNvSpPr>
             <a:spLocks noGrp="1" noRot="1" noChangeAspect="1"/>
           </p:cNvSpPr>
@@ -39325,594 +39325,6 @@
   <p:cSld>
     <p:spTree>
       <p:nvGrpSpPr>
-        <p:cNvPr id="1" name="Shape 354"/>
-        <p:cNvGrpSpPr/>
-        <p:nvPr/>
-      </p:nvGrpSpPr>
-      <p:grpSpPr>
-        <a:xfrm>
-          <a:off x="0" y="0"/>
-          <a:ext cx="0" cy="0"/>
-          <a:chOff x="0" y="0"/>
-          <a:chExt cx="0" cy="0"/>
-        </a:xfrm>
-      </p:grpSpPr>
-      <p:pic>
-        <p:nvPicPr>
-          <p:cNvPr id="355" name="Google Shape;355;p61"/>
-          <p:cNvPicPr preferRelativeResize="0"/>
-          <p:nvPr/>
-        </p:nvPicPr>
-        <p:blipFill rotWithShape="1">
-          <a:blip r:embed="rId3">
-            <a:alphaModFix/>
-          </a:blip>
-          <a:srcRect/>
-          <a:stretch/>
-        </p:blipFill>
-        <p:spPr>
-          <a:xfrm>
-            <a:off x="3824477" y="1904281"/>
-            <a:ext cx="4690873" cy="3083114"/>
-          </a:xfrm>
-          <a:prstGeom prst="rect">
-            <a:avLst/>
-          </a:prstGeom>
-          <a:noFill/>
-          <a:ln>
-            <a:noFill/>
-          </a:ln>
-        </p:spPr>
-      </p:pic>
-      <p:sp>
-        <p:nvSpPr>
-          <p:cNvPr id="356" name="Google Shape;356;p61"/>
-          <p:cNvSpPr txBox="1">
-            <a:spLocks noGrp="1"/>
-          </p:cNvSpPr>
-          <p:nvPr>
-            <p:ph type="title"/>
-          </p:nvPr>
-        </p:nvSpPr>
-        <p:spPr>
-          <a:xfrm>
-            <a:off x="628650" y="365126"/>
-            <a:ext cx="7886700" cy="1325563"/>
-          </a:xfrm>
-          <a:prstGeom prst="rect">
-            <a:avLst/>
-          </a:prstGeom>
-          <a:noFill/>
-          <a:ln>
-            <a:noFill/>
-          </a:ln>
-        </p:spPr>
-        <p:txBody>
-          <a:bodyPr spcFirstLastPara="1" wrap="square" lIns="52125" tIns="52125" rIns="52125" bIns="52125" anchor="ctr" anchorCtr="0">
-            <a:noAutofit/>
-          </a:bodyPr>
-          <a:lstStyle/>
-          <a:p>
-            <a:pPr marL="0" marR="0" lvl="0" indent="0" algn="ctr" rtl="0">
-              <a:lnSpc>
-                <a:spcPct val="90000"/>
-              </a:lnSpc>
-              <a:spcBef>
-                <a:spcPts val="0"/>
-              </a:spcBef>
-              <a:spcAft>
-                <a:spcPts val="0"/>
-              </a:spcAft>
-              <a:buNone/>
-            </a:pPr>
-            <a:r>
-              <a:rPr lang="en-US" sz="4281" b="0" i="0" u="none" strike="noStrike" cap="none">
-                <a:solidFill>
-                  <a:srgbClr val="000000"/>
-                </a:solidFill>
-                <a:latin typeface="Arial"/>
-                <a:ea typeface="Arial"/>
-                <a:cs typeface="Arial"/>
-                <a:sym typeface="Arial"/>
-              </a:rPr>
-              <a:t>Colour Space Conversion –</a:t>
-            </a:r>
-            <a:br>
-              <a:rPr lang="en-US" sz="4281" b="0" i="0" u="none" strike="noStrike" cap="none">
-                <a:solidFill>
-                  <a:srgbClr val="000000"/>
-                </a:solidFill>
-                <a:latin typeface="Arial"/>
-                <a:ea typeface="Arial"/>
-                <a:cs typeface="Arial"/>
-                <a:sym typeface="Arial"/>
-              </a:rPr>
-            </a:br>
-            <a:r>
-              <a:rPr lang="en-US" sz="4281" b="1" i="0" u="none" strike="noStrike" cap="none">
-                <a:solidFill>
-                  <a:srgbClr val="FF0000"/>
-                </a:solidFill>
-                <a:latin typeface="Arial"/>
-                <a:ea typeface="Arial"/>
-                <a:cs typeface="Arial"/>
-                <a:sym typeface="Arial"/>
-              </a:rPr>
-              <a:t>R</a:t>
-            </a:r>
-            <a:r>
-              <a:rPr lang="en-US" sz="4281" b="1" i="0" u="none" strike="noStrike" cap="none">
-                <a:solidFill>
-                  <a:srgbClr val="00FF00"/>
-                </a:solidFill>
-                <a:latin typeface="Arial"/>
-                <a:ea typeface="Arial"/>
-                <a:cs typeface="Arial"/>
-                <a:sym typeface="Arial"/>
-              </a:rPr>
-              <a:t>G</a:t>
-            </a:r>
-            <a:r>
-              <a:rPr lang="en-US" sz="4281" b="1" i="0" u="none" strike="noStrike" cap="none">
-                <a:solidFill>
-                  <a:srgbClr val="0000FF"/>
-                </a:solidFill>
-                <a:latin typeface="Arial"/>
-                <a:ea typeface="Arial"/>
-                <a:cs typeface="Arial"/>
-                <a:sym typeface="Arial"/>
-              </a:rPr>
-              <a:t>B</a:t>
-            </a:r>
-            <a:r>
-              <a:rPr lang="en-US" sz="4281" b="0" i="0" u="none" strike="noStrike" cap="none">
-                <a:solidFill>
-                  <a:srgbClr val="000000"/>
-                </a:solidFill>
-                <a:latin typeface="Arial"/>
-                <a:ea typeface="Arial"/>
-                <a:cs typeface="Arial"/>
-                <a:sym typeface="Arial"/>
-              </a:rPr>
-              <a:t> and </a:t>
-            </a:r>
-            <a:r>
-              <a:rPr lang="en-US" sz="4281" b="1" i="0" u="none" strike="noStrike" cap="none">
-                <a:solidFill>
-                  <a:schemeClr val="lt2"/>
-                </a:solidFill>
-                <a:latin typeface="Arial"/>
-                <a:ea typeface="Arial"/>
-                <a:cs typeface="Arial"/>
-                <a:sym typeface="Arial"/>
-              </a:rPr>
-              <a:t>Y</a:t>
-            </a:r>
-            <a:r>
-              <a:rPr lang="en-US" sz="4281" b="1" i="0" u="none" strike="noStrike" cap="none">
-                <a:solidFill>
-                  <a:srgbClr val="7F7F00"/>
-                </a:solidFill>
-                <a:latin typeface="Arial"/>
-                <a:ea typeface="Arial"/>
-                <a:cs typeface="Arial"/>
-                <a:sym typeface="Arial"/>
-              </a:rPr>
-              <a:t>U</a:t>
-            </a:r>
-            <a:r>
-              <a:rPr lang="en-US" sz="4281" b="1" i="0" u="none" strike="noStrike" cap="none">
-                <a:solidFill>
-                  <a:srgbClr val="007F7F"/>
-                </a:solidFill>
-                <a:latin typeface="Arial"/>
-                <a:ea typeface="Arial"/>
-                <a:cs typeface="Arial"/>
-                <a:sym typeface="Arial"/>
-              </a:rPr>
-              <a:t>V</a:t>
-            </a:r>
-            <a:endParaRPr/>
-          </a:p>
-        </p:txBody>
-      </p:sp>
-      <p:sp>
-        <p:nvSpPr>
-          <p:cNvPr id="357" name="Google Shape;357;p61"/>
-          <p:cNvSpPr txBox="1">
-            <a:spLocks noGrp="1"/>
-          </p:cNvSpPr>
-          <p:nvPr>
-            <p:ph type="sldNum" idx="12"/>
-          </p:nvPr>
-        </p:nvSpPr>
-        <p:spPr>
-          <a:xfrm>
-            <a:off x="6457950" y="6356351"/>
-            <a:ext cx="2057400" cy="365125"/>
-          </a:xfrm>
-          <a:prstGeom prst="rect">
-            <a:avLst/>
-          </a:prstGeom>
-          <a:noFill/>
-          <a:ln>
-            <a:noFill/>
-          </a:ln>
-        </p:spPr>
-        <p:txBody>
-          <a:bodyPr spcFirstLastPara="1" wrap="square" lIns="52125" tIns="52125" rIns="52125" bIns="52125" anchor="t" anchorCtr="0">
-            <a:noAutofit/>
-          </a:bodyPr>
-          <a:lstStyle/>
-          <a:p>
-            <a:pPr marL="0" marR="0" lvl="0" indent="0" algn="r" rtl="0">
-              <a:spcBef>
-                <a:spcPts val="0"/>
-              </a:spcBef>
-              <a:spcAft>
-                <a:spcPts val="0"/>
-              </a:spcAft>
-              <a:buNone/>
-            </a:pPr>
-            <a:fld id="{00000000-1234-1234-1234-123412341234}" type="slidenum">
-              <a:rPr lang="en-US" sz="1370" b="0" i="0" u="none" strike="noStrike" cap="none">
-                <a:latin typeface="Arial"/>
-                <a:ea typeface="Arial"/>
-                <a:cs typeface="Arial"/>
-                <a:sym typeface="Arial"/>
-              </a:rPr>
-              <a:t>23</a:t>
-            </a:fld>
-            <a:endParaRPr sz="1370" b="0" i="0" u="none" strike="noStrike" cap="none">
-              <a:latin typeface="Arial"/>
-              <a:ea typeface="Arial"/>
-              <a:cs typeface="Arial"/>
-              <a:sym typeface="Arial"/>
-            </a:endParaRPr>
-          </a:p>
-        </p:txBody>
-      </p:sp>
-      <p:sp>
-        <p:nvSpPr>
-          <p:cNvPr id="358" name="Google Shape;358;p61"/>
-          <p:cNvSpPr txBox="1">
-            <a:spLocks noGrp="1"/>
-          </p:cNvSpPr>
-          <p:nvPr>
-            <p:ph type="body" idx="1"/>
-          </p:nvPr>
-        </p:nvSpPr>
-        <p:spPr>
-          <a:xfrm>
-            <a:off x="628651" y="1825625"/>
-            <a:ext cx="2848355" cy="4351338"/>
-          </a:xfrm>
-          <a:prstGeom prst="rect">
-            <a:avLst/>
-          </a:prstGeom>
-          <a:noFill/>
-          <a:ln>
-            <a:noFill/>
-          </a:ln>
-        </p:spPr>
-        <p:txBody>
-          <a:bodyPr spcFirstLastPara="1" wrap="square" lIns="52125" tIns="52125" rIns="52125" bIns="52125" anchor="t" anchorCtr="0">
-            <a:noAutofit/>
-          </a:bodyPr>
-          <a:lstStyle/>
-          <a:p>
-            <a:pPr marL="334328" marR="0" lvl="0" indent="-334328" algn="l" rtl="0">
-              <a:spcBef>
-                <a:spcPts val="0"/>
-              </a:spcBef>
-              <a:spcAft>
-                <a:spcPts val="0"/>
-              </a:spcAft>
-              <a:buClr>
-                <a:schemeClr val="lt2"/>
-              </a:buClr>
-              <a:buSzPts val="2800"/>
-              <a:buFont typeface="Arial"/>
-              <a:buChar char="»"/>
-            </a:pPr>
-            <a:r>
-              <a:rPr lang="en-US" sz="2800" b="1" i="0" u="none" strike="noStrike" cap="none" dirty="0">
-                <a:solidFill>
-                  <a:schemeClr val="lt2"/>
-                </a:solidFill>
-                <a:latin typeface="Arial"/>
-                <a:ea typeface="Arial"/>
-                <a:cs typeface="Arial"/>
-                <a:sym typeface="Arial"/>
-              </a:rPr>
-              <a:t>Y</a:t>
-            </a:r>
-            <a:r>
-              <a:rPr lang="en-US" sz="2800" b="0" i="0" u="none" strike="noStrike" cap="none" dirty="0">
-                <a:solidFill>
-                  <a:srgbClr val="000000"/>
-                </a:solidFill>
-                <a:latin typeface="Arial"/>
-                <a:ea typeface="Arial"/>
-                <a:cs typeface="Arial"/>
-                <a:sym typeface="Arial"/>
-              </a:rPr>
-              <a:t> – Luminance</a:t>
-            </a:r>
-            <a:endParaRPr dirty="0"/>
-          </a:p>
-          <a:p>
-            <a:pPr marL="334328" marR="0" lvl="0" indent="-334328" algn="l" rtl="0">
-              <a:spcBef>
-                <a:spcPts val="685"/>
-              </a:spcBef>
-              <a:spcAft>
-                <a:spcPts val="0"/>
-              </a:spcAft>
-              <a:buClr>
-                <a:srgbClr val="000000"/>
-              </a:buClr>
-              <a:buSzPts val="2800"/>
-              <a:buFont typeface="Arial"/>
-              <a:buChar char="»"/>
-            </a:pPr>
-            <a:r>
-              <a:rPr lang="en-US" sz="2800" b="1" i="0" u="none" strike="noStrike" cap="none" dirty="0">
-                <a:solidFill>
-                  <a:srgbClr val="000000"/>
-                </a:solidFill>
-                <a:latin typeface="Arial"/>
-                <a:ea typeface="Arial"/>
-                <a:cs typeface="Arial"/>
-                <a:sym typeface="Arial"/>
-              </a:rPr>
-              <a:t>C</a:t>
-            </a:r>
-            <a:r>
-              <a:rPr lang="en-US" sz="2800" b="0" i="0" u="none" strike="noStrike" cap="none" dirty="0">
-                <a:solidFill>
-                  <a:srgbClr val="000000"/>
-                </a:solidFill>
-                <a:latin typeface="Arial"/>
-                <a:ea typeface="Arial"/>
-                <a:cs typeface="Arial"/>
-                <a:sym typeface="Arial"/>
-              </a:rPr>
-              <a:t> – Chrominance:</a:t>
-            </a:r>
-            <a:endParaRPr dirty="0"/>
-          </a:p>
-          <a:p>
-            <a:pPr marL="759714" marR="0" lvl="1" indent="-313943" algn="l" rtl="0">
-              <a:spcBef>
-                <a:spcPts val="685"/>
-              </a:spcBef>
-              <a:spcAft>
-                <a:spcPts val="0"/>
-              </a:spcAft>
-              <a:buClr>
-                <a:srgbClr val="7F7F00"/>
-              </a:buClr>
-              <a:buSzPts val="2800"/>
-              <a:buFont typeface="Arial"/>
-              <a:buChar char="–"/>
-            </a:pPr>
-            <a:r>
-              <a:rPr lang="en-US" sz="2800" b="1" i="0" u="none" strike="noStrike" cap="none" dirty="0">
-                <a:solidFill>
-                  <a:srgbClr val="7F7F00"/>
-                </a:solidFill>
-                <a:latin typeface="Arial"/>
-                <a:ea typeface="Arial"/>
-                <a:cs typeface="Arial"/>
-                <a:sym typeface="Arial"/>
-              </a:rPr>
-              <a:t>U</a:t>
-            </a:r>
-            <a:r>
-              <a:rPr lang="en-US" sz="2800" b="0" i="0" u="none" strike="noStrike" cap="none" dirty="0">
-                <a:solidFill>
-                  <a:srgbClr val="7F7F00"/>
-                </a:solidFill>
-                <a:latin typeface="Arial"/>
-                <a:ea typeface="Arial"/>
-                <a:cs typeface="Arial"/>
-                <a:sym typeface="Arial"/>
-              </a:rPr>
-              <a:t> (</a:t>
-            </a:r>
-            <a:r>
-              <a:rPr lang="en-US" sz="2800" b="1" i="0" u="none" strike="noStrike" cap="none" dirty="0">
-                <a:solidFill>
-                  <a:srgbClr val="7F7F00"/>
-                </a:solidFill>
-                <a:latin typeface="Arial"/>
-                <a:ea typeface="Arial"/>
-                <a:cs typeface="Arial"/>
-                <a:sym typeface="Arial"/>
-              </a:rPr>
-              <a:t>B</a:t>
-            </a:r>
-            <a:r>
-              <a:rPr lang="en-US" sz="2800" b="0" i="0" u="none" strike="noStrike" cap="none" dirty="0">
-                <a:solidFill>
-                  <a:srgbClr val="7F7F00"/>
-                </a:solidFill>
-                <a:latin typeface="Arial"/>
-                <a:ea typeface="Arial"/>
-                <a:cs typeface="Arial"/>
-                <a:sym typeface="Arial"/>
-              </a:rPr>
-              <a:t>-</a:t>
-            </a:r>
-            <a:r>
-              <a:rPr lang="en-US" sz="2800" b="1" i="0" u="none" strike="noStrike" cap="none" dirty="0">
-                <a:solidFill>
-                  <a:srgbClr val="7F7F00"/>
-                </a:solidFill>
-                <a:latin typeface="Arial"/>
-                <a:ea typeface="Arial"/>
-                <a:cs typeface="Arial"/>
-                <a:sym typeface="Arial"/>
-              </a:rPr>
-              <a:t>Y</a:t>
-            </a:r>
-            <a:r>
-              <a:rPr lang="en-US" sz="2800" b="0" i="0" u="none" strike="noStrike" cap="none" dirty="0">
-                <a:solidFill>
-                  <a:srgbClr val="7F7F00"/>
-                </a:solidFill>
-                <a:latin typeface="Arial"/>
-                <a:ea typeface="Arial"/>
-                <a:cs typeface="Arial"/>
-                <a:sym typeface="Arial"/>
-              </a:rPr>
-              <a:t>)</a:t>
-            </a:r>
-            <a:endParaRPr dirty="0"/>
-          </a:p>
-          <a:p>
-            <a:pPr marL="759714" marR="0" lvl="1" indent="-313943" algn="l" rtl="0">
-              <a:spcBef>
-                <a:spcPts val="685"/>
-              </a:spcBef>
-              <a:spcAft>
-                <a:spcPts val="0"/>
-              </a:spcAft>
-              <a:buClr>
-                <a:srgbClr val="007F7F"/>
-              </a:buClr>
-              <a:buSzPts val="2800"/>
-              <a:buFont typeface="Arial"/>
-              <a:buChar char="–"/>
-            </a:pPr>
-            <a:r>
-              <a:rPr lang="en-US" sz="2800" b="1" i="0" u="none" strike="noStrike" cap="none" dirty="0">
-                <a:solidFill>
-                  <a:srgbClr val="007F7F"/>
-                </a:solidFill>
-                <a:latin typeface="Arial"/>
-                <a:ea typeface="Arial"/>
-                <a:cs typeface="Arial"/>
-                <a:sym typeface="Arial"/>
-              </a:rPr>
-              <a:t>V</a:t>
-            </a:r>
-            <a:r>
-              <a:rPr lang="en-US" sz="2800" b="0" i="0" u="none" strike="noStrike" cap="none" dirty="0">
-                <a:solidFill>
-                  <a:srgbClr val="007F7F"/>
-                </a:solidFill>
-                <a:latin typeface="Arial"/>
-                <a:ea typeface="Arial"/>
-                <a:cs typeface="Arial"/>
-                <a:sym typeface="Arial"/>
-              </a:rPr>
-              <a:t> (</a:t>
-            </a:r>
-            <a:r>
-              <a:rPr lang="en-US" sz="2800" b="1" i="0" u="none" strike="noStrike" cap="none" dirty="0">
-                <a:solidFill>
-                  <a:srgbClr val="007F7F"/>
-                </a:solidFill>
-                <a:latin typeface="Arial"/>
-                <a:ea typeface="Arial"/>
-                <a:cs typeface="Arial"/>
-                <a:sym typeface="Arial"/>
-              </a:rPr>
-              <a:t>R</a:t>
-            </a:r>
-            <a:r>
-              <a:rPr lang="en-US" sz="2800" b="0" i="0" u="none" strike="noStrike" cap="none" dirty="0">
-                <a:solidFill>
-                  <a:srgbClr val="007F7F"/>
-                </a:solidFill>
-                <a:latin typeface="Arial"/>
-                <a:ea typeface="Arial"/>
-                <a:cs typeface="Arial"/>
-                <a:sym typeface="Arial"/>
-              </a:rPr>
-              <a:t>-</a:t>
-            </a:r>
-            <a:r>
-              <a:rPr lang="en-US" sz="2800" b="1" i="0" u="none" strike="noStrike" cap="none" dirty="0">
-                <a:solidFill>
-                  <a:srgbClr val="007F7F"/>
-                </a:solidFill>
-                <a:latin typeface="Arial"/>
-                <a:ea typeface="Arial"/>
-                <a:cs typeface="Arial"/>
-                <a:sym typeface="Arial"/>
-              </a:rPr>
-              <a:t>Y</a:t>
-            </a:r>
-            <a:r>
-              <a:rPr lang="en-US" sz="2800" b="0" i="0" u="none" strike="noStrike" cap="none" dirty="0">
-                <a:solidFill>
-                  <a:srgbClr val="007F7F"/>
-                </a:solidFill>
-                <a:latin typeface="Arial"/>
-                <a:ea typeface="Arial"/>
-                <a:cs typeface="Arial"/>
-                <a:sym typeface="Arial"/>
-              </a:rPr>
-              <a:t>)</a:t>
-            </a:r>
-          </a:p>
-          <a:p>
-            <a:pPr indent="-457200">
-              <a:buClrTx/>
-              <a:buSzPts val="2800"/>
-            </a:pPr>
-            <a:r>
-              <a:rPr lang="en-GB" sz="2800" dirty="0"/>
-              <a:t>Related to </a:t>
-            </a:r>
-            <a:r>
-              <a:rPr lang="en-GB" sz="2800" i="1" dirty="0"/>
-              <a:t>pixel formats</a:t>
-            </a:r>
-            <a:r>
-              <a:rPr lang="en-GB" sz="2800" dirty="0"/>
-              <a:t> and </a:t>
-            </a:r>
-            <a:r>
-              <a:rPr lang="en-GB" sz="2800" i="1" dirty="0" err="1"/>
-              <a:t>FourCC</a:t>
-            </a:r>
-            <a:r>
-              <a:rPr lang="en-GB" sz="2800" i="1" dirty="0"/>
-              <a:t> codes</a:t>
-            </a:r>
-            <a:r>
-              <a:rPr lang="en-GB" sz="2800" dirty="0"/>
-              <a:t>.</a:t>
-            </a:r>
-            <a:endParaRPr sz="2800" dirty="0"/>
-          </a:p>
-        </p:txBody>
-      </p:sp>
-    </p:spTree>
-  </p:cSld>
-  <p:clrMapOvr>
-    <a:masterClrMapping/>
-  </p:clrMapOvr>
-  <mc:AlternateContent xmlns:mc="http://schemas.openxmlformats.org/markup-compatibility/2006" xmlns:p14="http://schemas.microsoft.com/office/powerpoint/2010/main">
-    <mc:Choice Requires="p14">
-      <p:transition spd="slow" p14:dur="2000" advTm="186680"/>
-    </mc:Choice>
-    <mc:Fallback xmlns="">
-      <p:transition spd="slow" advTm="186680"/>
-    </mc:Fallback>
-  </mc:AlternateContent>
-</p:sld>
-</file>
-
-<file path=ppt/slides/slide24.xml><?xml version="1.0" encoding="utf-8"?>
-<p:sld xmlns:a="http://schemas.openxmlformats.org/drawingml/2006/main" xmlns:r="http://schemas.openxmlformats.org/officeDocument/2006/relationships" xmlns:p="http://schemas.openxmlformats.org/presentationml/2006/main">
-  <p:cSld>
-    <p:spTree>
-      <p:nvGrpSpPr>
         <p:cNvPr id="1" name="Shape 362"/>
         <p:cNvGrpSpPr/>
         <p:nvPr/>
@@ -40117,7 +39529,7 @@
                 <a:cs typeface="Arial"/>
                 <a:sym typeface="Arial"/>
               </a:rPr>
-              <a:t>24</a:t>
+              <a:t>23</a:t>
             </a:fld>
             <a:endParaRPr sz="1370" b="0" i="0" u="none" strike="noStrike" cap="none">
               <a:latin typeface="Arial"/>
@@ -40139,6 +39551,594 @@
     </mc:Choice>
     <mc:Fallback xmlns="">
       <p:transition spd="slow" advTm="39261"/>
+    </mc:Fallback>
+  </mc:AlternateContent>
+</p:sld>
+</file>
+
+<file path=ppt/slides/slide24.xml><?xml version="1.0" encoding="utf-8"?>
+<p:sld xmlns:a="http://schemas.openxmlformats.org/drawingml/2006/main" xmlns:r="http://schemas.openxmlformats.org/officeDocument/2006/relationships" xmlns:p="http://schemas.openxmlformats.org/presentationml/2006/main">
+  <p:cSld>
+    <p:spTree>
+      <p:nvGrpSpPr>
+        <p:cNvPr id="1" name="Shape 354"/>
+        <p:cNvGrpSpPr/>
+        <p:nvPr/>
+      </p:nvGrpSpPr>
+      <p:grpSpPr>
+        <a:xfrm>
+          <a:off x="0" y="0"/>
+          <a:ext cx="0" cy="0"/>
+          <a:chOff x="0" y="0"/>
+          <a:chExt cx="0" cy="0"/>
+        </a:xfrm>
+      </p:grpSpPr>
+      <p:pic>
+        <p:nvPicPr>
+          <p:cNvPr id="355" name="Google Shape;355;p61"/>
+          <p:cNvPicPr preferRelativeResize="0"/>
+          <p:nvPr/>
+        </p:nvPicPr>
+        <p:blipFill rotWithShape="1">
+          <a:blip r:embed="rId3">
+            <a:alphaModFix/>
+          </a:blip>
+          <a:srcRect/>
+          <a:stretch/>
+        </p:blipFill>
+        <p:spPr>
+          <a:xfrm>
+            <a:off x="3824477" y="1904281"/>
+            <a:ext cx="4690873" cy="3083114"/>
+          </a:xfrm>
+          <a:prstGeom prst="rect">
+            <a:avLst/>
+          </a:prstGeom>
+          <a:noFill/>
+          <a:ln>
+            <a:noFill/>
+          </a:ln>
+        </p:spPr>
+      </p:pic>
+      <p:sp>
+        <p:nvSpPr>
+          <p:cNvPr id="356" name="Google Shape;356;p61"/>
+          <p:cNvSpPr txBox="1">
+            <a:spLocks noGrp="1"/>
+          </p:cNvSpPr>
+          <p:nvPr>
+            <p:ph type="title"/>
+          </p:nvPr>
+        </p:nvSpPr>
+        <p:spPr>
+          <a:xfrm>
+            <a:off x="628650" y="365126"/>
+            <a:ext cx="7886700" cy="1325563"/>
+          </a:xfrm>
+          <a:prstGeom prst="rect">
+            <a:avLst/>
+          </a:prstGeom>
+          <a:noFill/>
+          <a:ln>
+            <a:noFill/>
+          </a:ln>
+        </p:spPr>
+        <p:txBody>
+          <a:bodyPr spcFirstLastPara="1" wrap="square" lIns="52125" tIns="52125" rIns="52125" bIns="52125" anchor="ctr" anchorCtr="0">
+            <a:noAutofit/>
+          </a:bodyPr>
+          <a:lstStyle/>
+          <a:p>
+            <a:pPr marL="0" marR="0" lvl="0" indent="0" algn="ctr" rtl="0">
+              <a:lnSpc>
+                <a:spcPct val="90000"/>
+              </a:lnSpc>
+              <a:spcBef>
+                <a:spcPts val="0"/>
+              </a:spcBef>
+              <a:spcAft>
+                <a:spcPts val="0"/>
+              </a:spcAft>
+              <a:buNone/>
+            </a:pPr>
+            <a:r>
+              <a:rPr lang="en-US" sz="4281" b="0" i="0" u="none" strike="noStrike" cap="none">
+                <a:solidFill>
+                  <a:srgbClr val="000000"/>
+                </a:solidFill>
+                <a:latin typeface="Arial"/>
+                <a:ea typeface="Arial"/>
+                <a:cs typeface="Arial"/>
+                <a:sym typeface="Arial"/>
+              </a:rPr>
+              <a:t>Colour Space Conversion –</a:t>
+            </a:r>
+            <a:br>
+              <a:rPr lang="en-US" sz="4281" b="0" i="0" u="none" strike="noStrike" cap="none">
+                <a:solidFill>
+                  <a:srgbClr val="000000"/>
+                </a:solidFill>
+                <a:latin typeface="Arial"/>
+                <a:ea typeface="Arial"/>
+                <a:cs typeface="Arial"/>
+                <a:sym typeface="Arial"/>
+              </a:rPr>
+            </a:br>
+            <a:r>
+              <a:rPr lang="en-US" sz="4281" b="1" i="0" u="none" strike="noStrike" cap="none">
+                <a:solidFill>
+                  <a:srgbClr val="FF0000"/>
+                </a:solidFill>
+                <a:latin typeface="Arial"/>
+                <a:ea typeface="Arial"/>
+                <a:cs typeface="Arial"/>
+                <a:sym typeface="Arial"/>
+              </a:rPr>
+              <a:t>R</a:t>
+            </a:r>
+            <a:r>
+              <a:rPr lang="en-US" sz="4281" b="1" i="0" u="none" strike="noStrike" cap="none">
+                <a:solidFill>
+                  <a:srgbClr val="00FF00"/>
+                </a:solidFill>
+                <a:latin typeface="Arial"/>
+                <a:ea typeface="Arial"/>
+                <a:cs typeface="Arial"/>
+                <a:sym typeface="Arial"/>
+              </a:rPr>
+              <a:t>G</a:t>
+            </a:r>
+            <a:r>
+              <a:rPr lang="en-US" sz="4281" b="1" i="0" u="none" strike="noStrike" cap="none">
+                <a:solidFill>
+                  <a:srgbClr val="0000FF"/>
+                </a:solidFill>
+                <a:latin typeface="Arial"/>
+                <a:ea typeface="Arial"/>
+                <a:cs typeface="Arial"/>
+                <a:sym typeface="Arial"/>
+              </a:rPr>
+              <a:t>B</a:t>
+            </a:r>
+            <a:r>
+              <a:rPr lang="en-US" sz="4281" b="0" i="0" u="none" strike="noStrike" cap="none">
+                <a:solidFill>
+                  <a:srgbClr val="000000"/>
+                </a:solidFill>
+                <a:latin typeface="Arial"/>
+                <a:ea typeface="Arial"/>
+                <a:cs typeface="Arial"/>
+                <a:sym typeface="Arial"/>
+              </a:rPr>
+              <a:t> and </a:t>
+            </a:r>
+            <a:r>
+              <a:rPr lang="en-US" sz="4281" b="1" i="0" u="none" strike="noStrike" cap="none">
+                <a:solidFill>
+                  <a:schemeClr val="lt2"/>
+                </a:solidFill>
+                <a:latin typeface="Arial"/>
+                <a:ea typeface="Arial"/>
+                <a:cs typeface="Arial"/>
+                <a:sym typeface="Arial"/>
+              </a:rPr>
+              <a:t>Y</a:t>
+            </a:r>
+            <a:r>
+              <a:rPr lang="en-US" sz="4281" b="1" i="0" u="none" strike="noStrike" cap="none">
+                <a:solidFill>
+                  <a:srgbClr val="7F7F00"/>
+                </a:solidFill>
+                <a:latin typeface="Arial"/>
+                <a:ea typeface="Arial"/>
+                <a:cs typeface="Arial"/>
+                <a:sym typeface="Arial"/>
+              </a:rPr>
+              <a:t>U</a:t>
+            </a:r>
+            <a:r>
+              <a:rPr lang="en-US" sz="4281" b="1" i="0" u="none" strike="noStrike" cap="none">
+                <a:solidFill>
+                  <a:srgbClr val="007F7F"/>
+                </a:solidFill>
+                <a:latin typeface="Arial"/>
+                <a:ea typeface="Arial"/>
+                <a:cs typeface="Arial"/>
+                <a:sym typeface="Arial"/>
+              </a:rPr>
+              <a:t>V</a:t>
+            </a:r>
+            <a:endParaRPr/>
+          </a:p>
+        </p:txBody>
+      </p:sp>
+      <p:sp>
+        <p:nvSpPr>
+          <p:cNvPr id="357" name="Google Shape;357;p61"/>
+          <p:cNvSpPr txBox="1">
+            <a:spLocks noGrp="1"/>
+          </p:cNvSpPr>
+          <p:nvPr>
+            <p:ph type="sldNum" idx="12"/>
+          </p:nvPr>
+        </p:nvSpPr>
+        <p:spPr>
+          <a:xfrm>
+            <a:off x="6457950" y="6356351"/>
+            <a:ext cx="2057400" cy="365125"/>
+          </a:xfrm>
+          <a:prstGeom prst="rect">
+            <a:avLst/>
+          </a:prstGeom>
+          <a:noFill/>
+          <a:ln>
+            <a:noFill/>
+          </a:ln>
+        </p:spPr>
+        <p:txBody>
+          <a:bodyPr spcFirstLastPara="1" wrap="square" lIns="52125" tIns="52125" rIns="52125" bIns="52125" anchor="t" anchorCtr="0">
+            <a:noAutofit/>
+          </a:bodyPr>
+          <a:lstStyle/>
+          <a:p>
+            <a:pPr marL="0" marR="0" lvl="0" indent="0" algn="r" rtl="0">
+              <a:spcBef>
+                <a:spcPts val="0"/>
+              </a:spcBef>
+              <a:spcAft>
+                <a:spcPts val="0"/>
+              </a:spcAft>
+              <a:buNone/>
+            </a:pPr>
+            <a:fld id="{00000000-1234-1234-1234-123412341234}" type="slidenum">
+              <a:rPr lang="en-US" sz="1370" b="0" i="0" u="none" strike="noStrike" cap="none">
+                <a:latin typeface="Arial"/>
+                <a:ea typeface="Arial"/>
+                <a:cs typeface="Arial"/>
+                <a:sym typeface="Arial"/>
+              </a:rPr>
+              <a:t>24</a:t>
+            </a:fld>
+            <a:endParaRPr sz="1370" b="0" i="0" u="none" strike="noStrike" cap="none">
+              <a:latin typeface="Arial"/>
+              <a:ea typeface="Arial"/>
+              <a:cs typeface="Arial"/>
+              <a:sym typeface="Arial"/>
+            </a:endParaRPr>
+          </a:p>
+        </p:txBody>
+      </p:sp>
+      <p:sp>
+        <p:nvSpPr>
+          <p:cNvPr id="358" name="Google Shape;358;p61"/>
+          <p:cNvSpPr txBox="1">
+            <a:spLocks noGrp="1"/>
+          </p:cNvSpPr>
+          <p:nvPr>
+            <p:ph type="body" idx="1"/>
+          </p:nvPr>
+        </p:nvSpPr>
+        <p:spPr>
+          <a:xfrm>
+            <a:off x="628651" y="1825625"/>
+            <a:ext cx="2848355" cy="4351338"/>
+          </a:xfrm>
+          <a:prstGeom prst="rect">
+            <a:avLst/>
+          </a:prstGeom>
+          <a:noFill/>
+          <a:ln>
+            <a:noFill/>
+          </a:ln>
+        </p:spPr>
+        <p:txBody>
+          <a:bodyPr spcFirstLastPara="1" wrap="square" lIns="52125" tIns="52125" rIns="52125" bIns="52125" anchor="t" anchorCtr="0">
+            <a:noAutofit/>
+          </a:bodyPr>
+          <a:lstStyle/>
+          <a:p>
+            <a:pPr marL="334328" marR="0" lvl="0" indent="-334328" algn="l" rtl="0">
+              <a:spcBef>
+                <a:spcPts val="0"/>
+              </a:spcBef>
+              <a:spcAft>
+                <a:spcPts val="0"/>
+              </a:spcAft>
+              <a:buClr>
+                <a:schemeClr val="lt2"/>
+              </a:buClr>
+              <a:buSzPts val="2800"/>
+              <a:buFont typeface="Arial"/>
+              <a:buChar char="»"/>
+            </a:pPr>
+            <a:r>
+              <a:rPr lang="en-US" sz="2800" b="1" i="0" u="none" strike="noStrike" cap="none" dirty="0">
+                <a:solidFill>
+                  <a:schemeClr val="lt2"/>
+                </a:solidFill>
+                <a:latin typeface="Arial"/>
+                <a:ea typeface="Arial"/>
+                <a:cs typeface="Arial"/>
+                <a:sym typeface="Arial"/>
+              </a:rPr>
+              <a:t>Y</a:t>
+            </a:r>
+            <a:r>
+              <a:rPr lang="en-US" sz="2800" b="0" i="0" u="none" strike="noStrike" cap="none" dirty="0">
+                <a:solidFill>
+                  <a:srgbClr val="000000"/>
+                </a:solidFill>
+                <a:latin typeface="Arial"/>
+                <a:ea typeface="Arial"/>
+                <a:cs typeface="Arial"/>
+                <a:sym typeface="Arial"/>
+              </a:rPr>
+              <a:t> – Luminance</a:t>
+            </a:r>
+            <a:endParaRPr dirty="0"/>
+          </a:p>
+          <a:p>
+            <a:pPr marL="334328" marR="0" lvl="0" indent="-334328" algn="l" rtl="0">
+              <a:spcBef>
+                <a:spcPts val="685"/>
+              </a:spcBef>
+              <a:spcAft>
+                <a:spcPts val="0"/>
+              </a:spcAft>
+              <a:buClr>
+                <a:srgbClr val="000000"/>
+              </a:buClr>
+              <a:buSzPts val="2800"/>
+              <a:buFont typeface="Arial"/>
+              <a:buChar char="»"/>
+            </a:pPr>
+            <a:r>
+              <a:rPr lang="en-US" sz="2800" b="1" i="0" u="none" strike="noStrike" cap="none" dirty="0">
+                <a:solidFill>
+                  <a:srgbClr val="000000"/>
+                </a:solidFill>
+                <a:latin typeface="Arial"/>
+                <a:ea typeface="Arial"/>
+                <a:cs typeface="Arial"/>
+                <a:sym typeface="Arial"/>
+              </a:rPr>
+              <a:t>C</a:t>
+            </a:r>
+            <a:r>
+              <a:rPr lang="en-US" sz="2800" b="0" i="0" u="none" strike="noStrike" cap="none" dirty="0">
+                <a:solidFill>
+                  <a:srgbClr val="000000"/>
+                </a:solidFill>
+                <a:latin typeface="Arial"/>
+                <a:ea typeface="Arial"/>
+                <a:cs typeface="Arial"/>
+                <a:sym typeface="Arial"/>
+              </a:rPr>
+              <a:t> – Chrominance:</a:t>
+            </a:r>
+            <a:endParaRPr dirty="0"/>
+          </a:p>
+          <a:p>
+            <a:pPr marL="759714" marR="0" lvl="1" indent="-313943" algn="l" rtl="0">
+              <a:spcBef>
+                <a:spcPts val="685"/>
+              </a:spcBef>
+              <a:spcAft>
+                <a:spcPts val="0"/>
+              </a:spcAft>
+              <a:buClr>
+                <a:srgbClr val="7F7F00"/>
+              </a:buClr>
+              <a:buSzPts val="2800"/>
+              <a:buFont typeface="Arial"/>
+              <a:buChar char="–"/>
+            </a:pPr>
+            <a:r>
+              <a:rPr lang="en-US" sz="2800" b="1" i="0" u="none" strike="noStrike" cap="none" dirty="0">
+                <a:solidFill>
+                  <a:srgbClr val="7F7F00"/>
+                </a:solidFill>
+                <a:latin typeface="Arial"/>
+                <a:ea typeface="Arial"/>
+                <a:cs typeface="Arial"/>
+                <a:sym typeface="Arial"/>
+              </a:rPr>
+              <a:t>U</a:t>
+            </a:r>
+            <a:r>
+              <a:rPr lang="en-US" sz="2800" b="0" i="0" u="none" strike="noStrike" cap="none" dirty="0">
+                <a:solidFill>
+                  <a:srgbClr val="7F7F00"/>
+                </a:solidFill>
+                <a:latin typeface="Arial"/>
+                <a:ea typeface="Arial"/>
+                <a:cs typeface="Arial"/>
+                <a:sym typeface="Arial"/>
+              </a:rPr>
+              <a:t> (</a:t>
+            </a:r>
+            <a:r>
+              <a:rPr lang="en-US" sz="2800" b="1" i="0" u="none" strike="noStrike" cap="none" dirty="0">
+                <a:solidFill>
+                  <a:srgbClr val="7F7F00"/>
+                </a:solidFill>
+                <a:latin typeface="Arial"/>
+                <a:ea typeface="Arial"/>
+                <a:cs typeface="Arial"/>
+                <a:sym typeface="Arial"/>
+              </a:rPr>
+              <a:t>B</a:t>
+            </a:r>
+            <a:r>
+              <a:rPr lang="en-US" sz="2800" b="0" i="0" u="none" strike="noStrike" cap="none" dirty="0">
+                <a:solidFill>
+                  <a:srgbClr val="7F7F00"/>
+                </a:solidFill>
+                <a:latin typeface="Arial"/>
+                <a:ea typeface="Arial"/>
+                <a:cs typeface="Arial"/>
+                <a:sym typeface="Arial"/>
+              </a:rPr>
+              <a:t>-</a:t>
+            </a:r>
+            <a:r>
+              <a:rPr lang="en-US" sz="2800" b="1" i="0" u="none" strike="noStrike" cap="none" dirty="0">
+                <a:solidFill>
+                  <a:srgbClr val="7F7F00"/>
+                </a:solidFill>
+                <a:latin typeface="Arial"/>
+                <a:ea typeface="Arial"/>
+                <a:cs typeface="Arial"/>
+                <a:sym typeface="Arial"/>
+              </a:rPr>
+              <a:t>Y</a:t>
+            </a:r>
+            <a:r>
+              <a:rPr lang="en-US" sz="2800" b="0" i="0" u="none" strike="noStrike" cap="none" dirty="0">
+                <a:solidFill>
+                  <a:srgbClr val="7F7F00"/>
+                </a:solidFill>
+                <a:latin typeface="Arial"/>
+                <a:ea typeface="Arial"/>
+                <a:cs typeface="Arial"/>
+                <a:sym typeface="Arial"/>
+              </a:rPr>
+              <a:t>)</a:t>
+            </a:r>
+            <a:endParaRPr dirty="0"/>
+          </a:p>
+          <a:p>
+            <a:pPr marL="759714" marR="0" lvl="1" indent="-313943" algn="l" rtl="0">
+              <a:spcBef>
+                <a:spcPts val="685"/>
+              </a:spcBef>
+              <a:spcAft>
+                <a:spcPts val="0"/>
+              </a:spcAft>
+              <a:buClr>
+                <a:srgbClr val="007F7F"/>
+              </a:buClr>
+              <a:buSzPts val="2800"/>
+              <a:buFont typeface="Arial"/>
+              <a:buChar char="–"/>
+            </a:pPr>
+            <a:r>
+              <a:rPr lang="en-US" sz="2800" b="1" i="0" u="none" strike="noStrike" cap="none" dirty="0">
+                <a:solidFill>
+                  <a:srgbClr val="007F7F"/>
+                </a:solidFill>
+                <a:latin typeface="Arial"/>
+                <a:ea typeface="Arial"/>
+                <a:cs typeface="Arial"/>
+                <a:sym typeface="Arial"/>
+              </a:rPr>
+              <a:t>V</a:t>
+            </a:r>
+            <a:r>
+              <a:rPr lang="en-US" sz="2800" b="0" i="0" u="none" strike="noStrike" cap="none" dirty="0">
+                <a:solidFill>
+                  <a:srgbClr val="007F7F"/>
+                </a:solidFill>
+                <a:latin typeface="Arial"/>
+                <a:ea typeface="Arial"/>
+                <a:cs typeface="Arial"/>
+                <a:sym typeface="Arial"/>
+              </a:rPr>
+              <a:t> (</a:t>
+            </a:r>
+            <a:r>
+              <a:rPr lang="en-US" sz="2800" b="1" i="0" u="none" strike="noStrike" cap="none" dirty="0">
+                <a:solidFill>
+                  <a:srgbClr val="007F7F"/>
+                </a:solidFill>
+                <a:latin typeface="Arial"/>
+                <a:ea typeface="Arial"/>
+                <a:cs typeface="Arial"/>
+                <a:sym typeface="Arial"/>
+              </a:rPr>
+              <a:t>R</a:t>
+            </a:r>
+            <a:r>
+              <a:rPr lang="en-US" sz="2800" b="0" i="0" u="none" strike="noStrike" cap="none" dirty="0">
+                <a:solidFill>
+                  <a:srgbClr val="007F7F"/>
+                </a:solidFill>
+                <a:latin typeface="Arial"/>
+                <a:ea typeface="Arial"/>
+                <a:cs typeface="Arial"/>
+                <a:sym typeface="Arial"/>
+              </a:rPr>
+              <a:t>-</a:t>
+            </a:r>
+            <a:r>
+              <a:rPr lang="en-US" sz="2800" b="1" i="0" u="none" strike="noStrike" cap="none" dirty="0">
+                <a:solidFill>
+                  <a:srgbClr val="007F7F"/>
+                </a:solidFill>
+                <a:latin typeface="Arial"/>
+                <a:ea typeface="Arial"/>
+                <a:cs typeface="Arial"/>
+                <a:sym typeface="Arial"/>
+              </a:rPr>
+              <a:t>Y</a:t>
+            </a:r>
+            <a:r>
+              <a:rPr lang="en-US" sz="2800" b="0" i="0" u="none" strike="noStrike" cap="none" dirty="0">
+                <a:solidFill>
+                  <a:srgbClr val="007F7F"/>
+                </a:solidFill>
+                <a:latin typeface="Arial"/>
+                <a:ea typeface="Arial"/>
+                <a:cs typeface="Arial"/>
+                <a:sym typeface="Arial"/>
+              </a:rPr>
+              <a:t>)</a:t>
+            </a:r>
+          </a:p>
+          <a:p>
+            <a:pPr indent="-457200">
+              <a:buClrTx/>
+              <a:buSzPts val="2800"/>
+            </a:pPr>
+            <a:r>
+              <a:rPr lang="en-GB" sz="2800" dirty="0"/>
+              <a:t>Related to </a:t>
+            </a:r>
+            <a:r>
+              <a:rPr lang="en-GB" sz="2800" i="1" dirty="0"/>
+              <a:t>pixel formats</a:t>
+            </a:r>
+            <a:r>
+              <a:rPr lang="en-GB" sz="2800" dirty="0"/>
+              <a:t> and </a:t>
+            </a:r>
+            <a:r>
+              <a:rPr lang="en-GB" sz="2800" i="1" dirty="0" err="1"/>
+              <a:t>FourCC</a:t>
+            </a:r>
+            <a:r>
+              <a:rPr lang="en-GB" sz="2800" i="1" dirty="0"/>
+              <a:t> codes</a:t>
+            </a:r>
+            <a:r>
+              <a:rPr lang="en-GB" sz="2800" dirty="0"/>
+              <a:t>.</a:t>
+            </a:r>
+            <a:endParaRPr sz="2800" dirty="0"/>
+          </a:p>
+        </p:txBody>
+      </p:sp>
+    </p:spTree>
+  </p:cSld>
+  <p:clrMapOvr>
+    <a:masterClrMapping/>
+  </p:clrMapOvr>
+  <mc:AlternateContent xmlns:mc="http://schemas.openxmlformats.org/markup-compatibility/2006" xmlns:p14="http://schemas.microsoft.com/office/powerpoint/2010/main">
+    <mc:Choice Requires="p14">
+      <p:transition spd="slow" p14:dur="2000" advTm="186680"/>
+    </mc:Choice>
+    <mc:Fallback xmlns="">
+      <p:transition spd="slow" advTm="186680"/>
     </mc:Fallback>
   </mc:AlternateContent>
 </p:sld>

--- a/01 Digitization/Digitization_Light.pptx
+++ b/01 Digitization/Digitization_Light.pptx
@@ -32,8 +32,8 @@
     <p:sldId id="275" r:id="rId23"/>
     <p:sldId id="276" r:id="rId24"/>
     <p:sldId id="277" r:id="rId25"/>
-    <p:sldId id="279" r:id="rId26"/>
-    <p:sldId id="278" r:id="rId27"/>
+    <p:sldId id="278" r:id="rId26"/>
+    <p:sldId id="279" r:id="rId27"/>
     <p:sldId id="280" r:id="rId28"/>
     <p:sldId id="281" r:id="rId29"/>
     <p:sldId id="282" r:id="rId30"/>
@@ -2686,7 +2686,7 @@
   <p:cSld>
     <p:spTree>
       <p:nvGrpSpPr>
-        <p:cNvPr id="1" name="Shape 359"/>
+        <p:cNvPr id="1" name="Shape 351"/>
         <p:cNvGrpSpPr/>
         <p:nvPr/>
       </p:nvGrpSpPr>
@@ -2700,7 +2700,7 @@
       </p:grpSpPr>
       <p:sp>
         <p:nvSpPr>
-          <p:cNvPr id="360" name="Google Shape;360;p23:notes"/>
+          <p:cNvPr id="352" name="Google Shape;352;p22:notes"/>
           <p:cNvSpPr txBox="1">
             <a:spLocks noGrp="1"/>
           </p:cNvSpPr>
@@ -2732,13 +2732,273 @@
               </a:spcAft>
               <a:buNone/>
             </a:pPr>
-            <a:endParaRPr/>
+            <a:r>
+              <a:rPr lang="en-US" sz="1200" dirty="0">
+                <a:latin typeface="Arial"/>
+                <a:ea typeface="Arial"/>
+                <a:cs typeface="Arial"/>
+                <a:sym typeface="Arial"/>
+              </a:rPr>
+              <a:t>YUV used for historical reasons (</a:t>
+            </a:r>
+            <a:r>
+              <a:rPr lang="en-US" sz="1200" dirty="0" err="1">
+                <a:latin typeface="Arial"/>
+                <a:ea typeface="Arial"/>
+                <a:cs typeface="Arial"/>
+                <a:sym typeface="Arial"/>
+              </a:rPr>
+              <a:t>colour</a:t>
+            </a:r>
+            <a:r>
+              <a:rPr lang="en-US" sz="1200" dirty="0">
+                <a:latin typeface="Arial"/>
+                <a:ea typeface="Arial"/>
+                <a:cs typeface="Arial"/>
+                <a:sym typeface="Arial"/>
+              </a:rPr>
+              <a:t> TV existing alongside B&amp;W TV).</a:t>
+            </a:r>
+            <a:endParaRPr sz="1200" dirty="0">
+              <a:latin typeface="Arial"/>
+              <a:ea typeface="Arial"/>
+              <a:cs typeface="Arial"/>
+              <a:sym typeface="Arial"/>
+            </a:endParaRPr>
+          </a:p>
+          <a:p>
+            <a:pPr marL="0" lvl="0" indent="0" algn="l" rtl="0">
+              <a:spcBef>
+                <a:spcPts val="0"/>
+              </a:spcBef>
+              <a:spcAft>
+                <a:spcPts val="0"/>
+              </a:spcAft>
+              <a:buNone/>
+            </a:pPr>
+            <a:r>
+              <a:rPr lang="en-US" sz="1200" dirty="0">
+                <a:latin typeface="Arial"/>
+                <a:ea typeface="Arial"/>
+                <a:cs typeface="Arial"/>
+                <a:sym typeface="Arial"/>
+              </a:rPr>
+              <a:t>Nevertheless, the usage of such a system nicely fits HVS. We can reduce </a:t>
+            </a:r>
+            <a:r>
+              <a:rPr lang="en-US" sz="1200" dirty="0" err="1">
+                <a:latin typeface="Arial"/>
+                <a:ea typeface="Arial"/>
+                <a:cs typeface="Arial"/>
+                <a:sym typeface="Arial"/>
+              </a:rPr>
+              <a:t>colour</a:t>
+            </a:r>
+            <a:r>
+              <a:rPr lang="en-US" sz="1200" dirty="0">
+                <a:latin typeface="Arial"/>
+                <a:ea typeface="Arial"/>
+                <a:cs typeface="Arial"/>
+                <a:sym typeface="Arial"/>
+              </a:rPr>
+              <a:t> channels bandwidth without losing the perceptual quality.</a:t>
+            </a:r>
+          </a:p>
+          <a:p>
+            <a:pPr marL="0" lvl="0" indent="0" algn="l" rtl="0">
+              <a:spcBef>
+                <a:spcPts val="0"/>
+              </a:spcBef>
+              <a:spcAft>
+                <a:spcPts val="0"/>
+              </a:spcAft>
+              <a:buNone/>
+            </a:pPr>
+            <a:endParaRPr lang="en-US" sz="1200" dirty="0">
+              <a:latin typeface="Arial"/>
+              <a:ea typeface="Arial"/>
+              <a:cs typeface="Arial"/>
+              <a:sym typeface="Arial"/>
+            </a:endParaRPr>
+          </a:p>
+          <a:p>
+            <a:pPr marL="0" lvl="0" indent="0" algn="l" rtl="0">
+              <a:spcBef>
+                <a:spcPts val="0"/>
+              </a:spcBef>
+              <a:spcAft>
+                <a:spcPts val="0"/>
+              </a:spcAft>
+              <a:buNone/>
+            </a:pPr>
+            <a:r>
+              <a:rPr lang="en-US" sz="1200" dirty="0" err="1">
+                <a:latin typeface="Arial"/>
+                <a:ea typeface="Arial"/>
+                <a:cs typeface="Arial"/>
+                <a:sym typeface="Arial"/>
+              </a:rPr>
+              <a:t>FourCC</a:t>
+            </a:r>
+            <a:r>
+              <a:rPr lang="en-US" sz="1200" dirty="0">
+                <a:latin typeface="Arial"/>
+                <a:ea typeface="Arial"/>
+                <a:cs typeface="Arial"/>
+                <a:sym typeface="Arial"/>
+              </a:rPr>
+              <a:t>—’</a:t>
+            </a:r>
+            <a:r>
+              <a:rPr lang="en-GB" sz="1050" dirty="0"/>
+              <a:t>A </a:t>
+            </a:r>
+            <a:r>
+              <a:rPr lang="en-GB" sz="1050" dirty="0" err="1"/>
+              <a:t>FourCC</a:t>
+            </a:r>
+            <a:r>
+              <a:rPr lang="en-GB" sz="1050" dirty="0"/>
+              <a:t> is a sequence of four bytes used to uniquely identify data formats. It originated from the </a:t>
+            </a:r>
+            <a:r>
+              <a:rPr lang="en-GB" sz="1050" dirty="0" err="1"/>
+              <a:t>OSType</a:t>
+            </a:r>
+            <a:r>
+              <a:rPr lang="en-GB" sz="1050" dirty="0"/>
+              <a:t> or </a:t>
+            </a:r>
+            <a:r>
+              <a:rPr lang="en-GB" sz="1050" dirty="0" err="1"/>
+              <a:t>ResType</a:t>
+            </a:r>
+            <a:r>
+              <a:rPr lang="en-GB" sz="1050" dirty="0"/>
+              <a:t> metadata system used in classic Mac OS and was adopted for the Amiga/Electronic Arts Interchange File Format and derivatives. The idea was later reused to identify compressed data types in QuickTime and DirectShow.’</a:t>
+            </a:r>
+            <a:r>
+              <a:rPr lang="en-GB" sz="2800" b="0" i="0" u="none" strike="noStrike" cap="none" dirty="0">
+                <a:solidFill>
+                  <a:srgbClr val="000000"/>
+                </a:solidFill>
+                <a:latin typeface="Arial"/>
+                <a:cs typeface="Arial"/>
+                <a:sym typeface="Arial"/>
+              </a:rPr>
+              <a:t> (from Wikipedia) Examples: YV12 (=YUV420p)</a:t>
+            </a:r>
+            <a:endParaRPr lang="pl-PL" sz="2800" b="0" i="0" u="none" strike="noStrike" cap="none" dirty="0">
+              <a:solidFill>
+                <a:srgbClr val="000000"/>
+              </a:solidFill>
+              <a:latin typeface="Arial"/>
+              <a:cs typeface="Arial"/>
+              <a:sym typeface="Arial"/>
+            </a:endParaRPr>
+          </a:p>
+          <a:p>
+            <a:pPr marL="0" lvl="0" indent="0" algn="l" rtl="0">
+              <a:spcBef>
+                <a:spcPts val="0"/>
+              </a:spcBef>
+              <a:spcAft>
+                <a:spcPts val="0"/>
+              </a:spcAft>
+              <a:buNone/>
+            </a:pPr>
+            <a:endParaRPr lang="pl-PL" sz="2800" b="0" i="0" u="none" strike="noStrike" cap="none" dirty="0">
+              <a:solidFill>
+                <a:srgbClr val="000000"/>
+              </a:solidFill>
+              <a:latin typeface="Arial"/>
+              <a:ea typeface="Arial"/>
+              <a:cs typeface="Arial"/>
+              <a:sym typeface="Arial"/>
+            </a:endParaRPr>
+          </a:p>
+          <a:p>
+            <a:pPr marL="0" lvl="0" indent="0" algn="l" rtl="0">
+              <a:spcBef>
+                <a:spcPts val="0"/>
+              </a:spcBef>
+              <a:spcAft>
+                <a:spcPts val="0"/>
+              </a:spcAft>
+              <a:buNone/>
+            </a:pPr>
+            <a:r>
+              <a:rPr lang="pl-PL" sz="2800" b="0" i="0" u="none" strike="noStrike" cap="none" dirty="0" err="1">
+                <a:solidFill>
+                  <a:srgbClr val="000000"/>
+                </a:solidFill>
+                <a:latin typeface="Arial"/>
+                <a:ea typeface="Arial"/>
+                <a:cs typeface="Arial"/>
+                <a:sym typeface="Arial"/>
+              </a:rPr>
+              <a:t>Mention</a:t>
+            </a:r>
+            <a:r>
+              <a:rPr lang="pl-PL" sz="2800" b="0" i="0" u="none" strike="noStrike" cap="none" dirty="0">
+                <a:solidFill>
+                  <a:srgbClr val="000000"/>
+                </a:solidFill>
+                <a:latin typeface="Arial"/>
+                <a:ea typeface="Arial"/>
+                <a:cs typeface="Arial"/>
+                <a:sym typeface="Arial"/>
+              </a:rPr>
+              <a:t> </a:t>
+            </a:r>
+            <a:r>
+              <a:rPr lang="pl-PL" sz="2800" b="0" i="0" u="none" strike="noStrike" cap="none" dirty="0" err="1">
+                <a:solidFill>
+                  <a:srgbClr val="000000"/>
+                </a:solidFill>
+                <a:latin typeface="Arial"/>
+                <a:ea typeface="Arial"/>
+                <a:cs typeface="Arial"/>
+                <a:sym typeface="Arial"/>
+              </a:rPr>
+              <a:t>that</a:t>
+            </a:r>
+            <a:r>
+              <a:rPr lang="pl-PL" sz="2800" b="0" i="0" u="none" strike="noStrike" cap="none" dirty="0">
+                <a:solidFill>
+                  <a:srgbClr val="000000"/>
+                </a:solidFill>
+                <a:latin typeface="Arial"/>
+                <a:ea typeface="Arial"/>
+                <a:cs typeface="Arial"/>
+                <a:sym typeface="Arial"/>
+              </a:rPr>
+              <a:t> Y’</a:t>
+            </a:r>
+            <a:r>
+              <a:rPr lang="en-GB" sz="2800" b="0" i="0" u="none" strike="noStrike" cap="none" dirty="0">
+                <a:solidFill>
+                  <a:srgbClr val="000000"/>
+                </a:solidFill>
+                <a:latin typeface="Arial"/>
+                <a:ea typeface="Arial"/>
+                <a:cs typeface="Arial"/>
+                <a:sym typeface="Arial"/>
+              </a:rPr>
+              <a:t> means luma (i.e., perceptually uniform brightness).</a:t>
+            </a:r>
+            <a:endParaRPr sz="1200" dirty="0">
+              <a:latin typeface="Arial"/>
+              <a:ea typeface="Arial"/>
+              <a:cs typeface="Arial"/>
+              <a:sym typeface="Arial"/>
+            </a:endParaRPr>
           </a:p>
         </p:txBody>
       </p:sp>
       <p:sp>
         <p:nvSpPr>
-          <p:cNvPr id="361" name="Google Shape;361;p23:notes"/>
+          <p:cNvPr id="353" name="Google Shape;353;p22:notes"/>
           <p:cNvSpPr>
             <a:spLocks noGrp="1" noRot="1" noChangeAspect="1"/>
           </p:cNvSpPr>
@@ -2790,7 +3050,7 @@
   <p:cSld>
     <p:spTree>
       <p:nvGrpSpPr>
-        <p:cNvPr id="1" name="Shape 351"/>
+        <p:cNvPr id="1" name="Shape 359"/>
         <p:cNvGrpSpPr/>
         <p:nvPr/>
       </p:nvGrpSpPr>
@@ -2804,7 +3064,7 @@
       </p:grpSpPr>
       <p:sp>
         <p:nvSpPr>
-          <p:cNvPr id="352" name="Google Shape;352;p22:notes"/>
+          <p:cNvPr id="360" name="Google Shape;360;p23:notes"/>
           <p:cNvSpPr txBox="1">
             <a:spLocks noGrp="1"/>
           </p:cNvSpPr>
@@ -2836,273 +3096,13 @@
               </a:spcAft>
               <a:buNone/>
             </a:pPr>
-            <a:r>
-              <a:rPr lang="en-US" sz="1200" dirty="0">
-                <a:latin typeface="Arial"/>
-                <a:ea typeface="Arial"/>
-                <a:cs typeface="Arial"/>
-                <a:sym typeface="Arial"/>
-              </a:rPr>
-              <a:t>YUV used for historical reasons (</a:t>
-            </a:r>
-            <a:r>
-              <a:rPr lang="en-US" sz="1200" dirty="0" err="1">
-                <a:latin typeface="Arial"/>
-                <a:ea typeface="Arial"/>
-                <a:cs typeface="Arial"/>
-                <a:sym typeface="Arial"/>
-              </a:rPr>
-              <a:t>colour</a:t>
-            </a:r>
-            <a:r>
-              <a:rPr lang="en-US" sz="1200" dirty="0">
-                <a:latin typeface="Arial"/>
-                <a:ea typeface="Arial"/>
-                <a:cs typeface="Arial"/>
-                <a:sym typeface="Arial"/>
-              </a:rPr>
-              <a:t> TV existing alongside B&amp;W TV).</a:t>
-            </a:r>
-            <a:endParaRPr sz="1200" dirty="0">
-              <a:latin typeface="Arial"/>
-              <a:ea typeface="Arial"/>
-              <a:cs typeface="Arial"/>
-              <a:sym typeface="Arial"/>
-            </a:endParaRPr>
-          </a:p>
-          <a:p>
-            <a:pPr marL="0" lvl="0" indent="0" algn="l" rtl="0">
-              <a:spcBef>
-                <a:spcPts val="0"/>
-              </a:spcBef>
-              <a:spcAft>
-                <a:spcPts val="0"/>
-              </a:spcAft>
-              <a:buNone/>
-            </a:pPr>
-            <a:r>
-              <a:rPr lang="en-US" sz="1200" dirty="0">
-                <a:latin typeface="Arial"/>
-                <a:ea typeface="Arial"/>
-                <a:cs typeface="Arial"/>
-                <a:sym typeface="Arial"/>
-              </a:rPr>
-              <a:t>Nevertheless, the usage of such a system nicely fits HVS. We can reduce </a:t>
-            </a:r>
-            <a:r>
-              <a:rPr lang="en-US" sz="1200" dirty="0" err="1">
-                <a:latin typeface="Arial"/>
-                <a:ea typeface="Arial"/>
-                <a:cs typeface="Arial"/>
-                <a:sym typeface="Arial"/>
-              </a:rPr>
-              <a:t>colour</a:t>
-            </a:r>
-            <a:r>
-              <a:rPr lang="en-US" sz="1200" dirty="0">
-                <a:latin typeface="Arial"/>
-                <a:ea typeface="Arial"/>
-                <a:cs typeface="Arial"/>
-                <a:sym typeface="Arial"/>
-              </a:rPr>
-              <a:t> channels bandwidth without losing the perceptual quality.</a:t>
-            </a:r>
-          </a:p>
-          <a:p>
-            <a:pPr marL="0" lvl="0" indent="0" algn="l" rtl="0">
-              <a:spcBef>
-                <a:spcPts val="0"/>
-              </a:spcBef>
-              <a:spcAft>
-                <a:spcPts val="0"/>
-              </a:spcAft>
-              <a:buNone/>
-            </a:pPr>
-            <a:endParaRPr lang="en-US" sz="1200" dirty="0">
-              <a:latin typeface="Arial"/>
-              <a:ea typeface="Arial"/>
-              <a:cs typeface="Arial"/>
-              <a:sym typeface="Arial"/>
-            </a:endParaRPr>
-          </a:p>
-          <a:p>
-            <a:pPr marL="0" lvl="0" indent="0" algn="l" rtl="0">
-              <a:spcBef>
-                <a:spcPts val="0"/>
-              </a:spcBef>
-              <a:spcAft>
-                <a:spcPts val="0"/>
-              </a:spcAft>
-              <a:buNone/>
-            </a:pPr>
-            <a:r>
-              <a:rPr lang="en-US" sz="1200" dirty="0" err="1">
-                <a:latin typeface="Arial"/>
-                <a:ea typeface="Arial"/>
-                <a:cs typeface="Arial"/>
-                <a:sym typeface="Arial"/>
-              </a:rPr>
-              <a:t>FourCC</a:t>
-            </a:r>
-            <a:r>
-              <a:rPr lang="en-US" sz="1200" dirty="0">
-                <a:latin typeface="Arial"/>
-                <a:ea typeface="Arial"/>
-                <a:cs typeface="Arial"/>
-                <a:sym typeface="Arial"/>
-              </a:rPr>
-              <a:t>—’</a:t>
-            </a:r>
-            <a:r>
-              <a:rPr lang="en-GB" sz="1050" dirty="0"/>
-              <a:t>A </a:t>
-            </a:r>
-            <a:r>
-              <a:rPr lang="en-GB" sz="1050" dirty="0" err="1"/>
-              <a:t>FourCC</a:t>
-            </a:r>
-            <a:r>
-              <a:rPr lang="en-GB" sz="1050" dirty="0"/>
-              <a:t> is a sequence of four bytes used to uniquely identify data formats. It originated from the </a:t>
-            </a:r>
-            <a:r>
-              <a:rPr lang="en-GB" sz="1050" dirty="0" err="1"/>
-              <a:t>OSType</a:t>
-            </a:r>
-            <a:r>
-              <a:rPr lang="en-GB" sz="1050" dirty="0"/>
-              <a:t> or </a:t>
-            </a:r>
-            <a:r>
-              <a:rPr lang="en-GB" sz="1050" dirty="0" err="1"/>
-              <a:t>ResType</a:t>
-            </a:r>
-            <a:r>
-              <a:rPr lang="en-GB" sz="1050" dirty="0"/>
-              <a:t> metadata system used in classic Mac OS and was adopted for the Amiga/Electronic Arts Interchange File Format and derivatives. The idea was later reused to identify compressed data types in QuickTime and DirectShow.’</a:t>
-            </a:r>
-            <a:r>
-              <a:rPr lang="en-GB" sz="2800" b="0" i="0" u="none" strike="noStrike" cap="none" dirty="0">
-                <a:solidFill>
-                  <a:srgbClr val="000000"/>
-                </a:solidFill>
-                <a:latin typeface="Arial"/>
-                <a:cs typeface="Arial"/>
-                <a:sym typeface="Arial"/>
-              </a:rPr>
-              <a:t> (from Wikipedia) Examples: YV12 (=YUV420p)</a:t>
-            </a:r>
-            <a:endParaRPr lang="pl-PL" sz="2800" b="0" i="0" u="none" strike="noStrike" cap="none" dirty="0">
-              <a:solidFill>
-                <a:srgbClr val="000000"/>
-              </a:solidFill>
-              <a:latin typeface="Arial"/>
-              <a:cs typeface="Arial"/>
-              <a:sym typeface="Arial"/>
-            </a:endParaRPr>
-          </a:p>
-          <a:p>
-            <a:pPr marL="0" lvl="0" indent="0" algn="l" rtl="0">
-              <a:spcBef>
-                <a:spcPts val="0"/>
-              </a:spcBef>
-              <a:spcAft>
-                <a:spcPts val="0"/>
-              </a:spcAft>
-              <a:buNone/>
-            </a:pPr>
-            <a:endParaRPr lang="pl-PL" sz="2800" b="0" i="0" u="none" strike="noStrike" cap="none" dirty="0">
-              <a:solidFill>
-                <a:srgbClr val="000000"/>
-              </a:solidFill>
-              <a:latin typeface="Arial"/>
-              <a:ea typeface="Arial"/>
-              <a:cs typeface="Arial"/>
-              <a:sym typeface="Arial"/>
-            </a:endParaRPr>
-          </a:p>
-          <a:p>
-            <a:pPr marL="0" lvl="0" indent="0" algn="l" rtl="0">
-              <a:spcBef>
-                <a:spcPts val="0"/>
-              </a:spcBef>
-              <a:spcAft>
-                <a:spcPts val="0"/>
-              </a:spcAft>
-              <a:buNone/>
-            </a:pPr>
-            <a:r>
-              <a:rPr lang="pl-PL" sz="2800" b="0" i="0" u="none" strike="noStrike" cap="none" dirty="0" err="1">
-                <a:solidFill>
-                  <a:srgbClr val="000000"/>
-                </a:solidFill>
-                <a:latin typeface="Arial"/>
-                <a:ea typeface="Arial"/>
-                <a:cs typeface="Arial"/>
-                <a:sym typeface="Arial"/>
-              </a:rPr>
-              <a:t>Mention</a:t>
-            </a:r>
-            <a:r>
-              <a:rPr lang="pl-PL" sz="2800" b="0" i="0" u="none" strike="noStrike" cap="none" dirty="0">
-                <a:solidFill>
-                  <a:srgbClr val="000000"/>
-                </a:solidFill>
-                <a:latin typeface="Arial"/>
-                <a:ea typeface="Arial"/>
-                <a:cs typeface="Arial"/>
-                <a:sym typeface="Arial"/>
-              </a:rPr>
-              <a:t> </a:t>
-            </a:r>
-            <a:r>
-              <a:rPr lang="pl-PL" sz="2800" b="0" i="0" u="none" strike="noStrike" cap="none" dirty="0" err="1">
-                <a:solidFill>
-                  <a:srgbClr val="000000"/>
-                </a:solidFill>
-                <a:latin typeface="Arial"/>
-                <a:ea typeface="Arial"/>
-                <a:cs typeface="Arial"/>
-                <a:sym typeface="Arial"/>
-              </a:rPr>
-              <a:t>that</a:t>
-            </a:r>
-            <a:r>
-              <a:rPr lang="pl-PL" sz="2800" b="0" i="0" u="none" strike="noStrike" cap="none" dirty="0">
-                <a:solidFill>
-                  <a:srgbClr val="000000"/>
-                </a:solidFill>
-                <a:latin typeface="Arial"/>
-                <a:ea typeface="Arial"/>
-                <a:cs typeface="Arial"/>
-                <a:sym typeface="Arial"/>
-              </a:rPr>
-              <a:t> Y’</a:t>
-            </a:r>
-            <a:r>
-              <a:rPr lang="en-GB" sz="2800" b="0" i="0" u="none" strike="noStrike" cap="none" dirty="0">
-                <a:solidFill>
-                  <a:srgbClr val="000000"/>
-                </a:solidFill>
-                <a:latin typeface="Arial"/>
-                <a:ea typeface="Arial"/>
-                <a:cs typeface="Arial"/>
-                <a:sym typeface="Arial"/>
-              </a:rPr>
-              <a:t> means luma (i.e., perceptually uniform brightness).</a:t>
-            </a:r>
-            <a:endParaRPr sz="1200" dirty="0">
-              <a:latin typeface="Arial"/>
-              <a:ea typeface="Arial"/>
-              <a:cs typeface="Arial"/>
-              <a:sym typeface="Arial"/>
-            </a:endParaRPr>
+            <a:endParaRPr/>
           </a:p>
         </p:txBody>
       </p:sp>
       <p:sp>
         <p:nvSpPr>
-          <p:cNvPr id="353" name="Google Shape;353;p22:notes"/>
+          <p:cNvPr id="361" name="Google Shape;361;p23:notes"/>
           <p:cNvSpPr>
             <a:spLocks noGrp="1" noRot="1" noChangeAspect="1"/>
           </p:cNvSpPr>
@@ -39325,6 +39325,594 @@
   <p:cSld>
     <p:spTree>
       <p:nvGrpSpPr>
+        <p:cNvPr id="1" name="Shape 354"/>
+        <p:cNvGrpSpPr/>
+        <p:nvPr/>
+      </p:nvGrpSpPr>
+      <p:grpSpPr>
+        <a:xfrm>
+          <a:off x="0" y="0"/>
+          <a:ext cx="0" cy="0"/>
+          <a:chOff x="0" y="0"/>
+          <a:chExt cx="0" cy="0"/>
+        </a:xfrm>
+      </p:grpSpPr>
+      <p:pic>
+        <p:nvPicPr>
+          <p:cNvPr id="355" name="Google Shape;355;p61"/>
+          <p:cNvPicPr preferRelativeResize="0"/>
+          <p:nvPr/>
+        </p:nvPicPr>
+        <p:blipFill rotWithShape="1">
+          <a:blip r:embed="rId3">
+            <a:alphaModFix/>
+          </a:blip>
+          <a:srcRect/>
+          <a:stretch/>
+        </p:blipFill>
+        <p:spPr>
+          <a:xfrm>
+            <a:off x="3824477" y="1904281"/>
+            <a:ext cx="4690873" cy="3083114"/>
+          </a:xfrm>
+          <a:prstGeom prst="rect">
+            <a:avLst/>
+          </a:prstGeom>
+          <a:noFill/>
+          <a:ln>
+            <a:noFill/>
+          </a:ln>
+        </p:spPr>
+      </p:pic>
+      <p:sp>
+        <p:nvSpPr>
+          <p:cNvPr id="356" name="Google Shape;356;p61"/>
+          <p:cNvSpPr txBox="1">
+            <a:spLocks noGrp="1"/>
+          </p:cNvSpPr>
+          <p:nvPr>
+            <p:ph type="title"/>
+          </p:nvPr>
+        </p:nvSpPr>
+        <p:spPr>
+          <a:xfrm>
+            <a:off x="628650" y="365126"/>
+            <a:ext cx="7886700" cy="1325563"/>
+          </a:xfrm>
+          <a:prstGeom prst="rect">
+            <a:avLst/>
+          </a:prstGeom>
+          <a:noFill/>
+          <a:ln>
+            <a:noFill/>
+          </a:ln>
+        </p:spPr>
+        <p:txBody>
+          <a:bodyPr spcFirstLastPara="1" wrap="square" lIns="52125" tIns="52125" rIns="52125" bIns="52125" anchor="ctr" anchorCtr="0">
+            <a:noAutofit/>
+          </a:bodyPr>
+          <a:lstStyle/>
+          <a:p>
+            <a:pPr marL="0" marR="0" lvl="0" indent="0" algn="ctr" rtl="0">
+              <a:lnSpc>
+                <a:spcPct val="90000"/>
+              </a:lnSpc>
+              <a:spcBef>
+                <a:spcPts val="0"/>
+              </a:spcBef>
+              <a:spcAft>
+                <a:spcPts val="0"/>
+              </a:spcAft>
+              <a:buNone/>
+            </a:pPr>
+            <a:r>
+              <a:rPr lang="en-US" sz="4281" b="0" i="0" u="none" strike="noStrike" cap="none">
+                <a:solidFill>
+                  <a:srgbClr val="000000"/>
+                </a:solidFill>
+                <a:latin typeface="Arial"/>
+                <a:ea typeface="Arial"/>
+                <a:cs typeface="Arial"/>
+                <a:sym typeface="Arial"/>
+              </a:rPr>
+              <a:t>Colour Space Conversion –</a:t>
+            </a:r>
+            <a:br>
+              <a:rPr lang="en-US" sz="4281" b="0" i="0" u="none" strike="noStrike" cap="none">
+                <a:solidFill>
+                  <a:srgbClr val="000000"/>
+                </a:solidFill>
+                <a:latin typeface="Arial"/>
+                <a:ea typeface="Arial"/>
+                <a:cs typeface="Arial"/>
+                <a:sym typeface="Arial"/>
+              </a:rPr>
+            </a:br>
+            <a:r>
+              <a:rPr lang="en-US" sz="4281" b="1" i="0" u="none" strike="noStrike" cap="none">
+                <a:solidFill>
+                  <a:srgbClr val="FF0000"/>
+                </a:solidFill>
+                <a:latin typeface="Arial"/>
+                <a:ea typeface="Arial"/>
+                <a:cs typeface="Arial"/>
+                <a:sym typeface="Arial"/>
+              </a:rPr>
+              <a:t>R</a:t>
+            </a:r>
+            <a:r>
+              <a:rPr lang="en-US" sz="4281" b="1" i="0" u="none" strike="noStrike" cap="none">
+                <a:solidFill>
+                  <a:srgbClr val="00FF00"/>
+                </a:solidFill>
+                <a:latin typeface="Arial"/>
+                <a:ea typeface="Arial"/>
+                <a:cs typeface="Arial"/>
+                <a:sym typeface="Arial"/>
+              </a:rPr>
+              <a:t>G</a:t>
+            </a:r>
+            <a:r>
+              <a:rPr lang="en-US" sz="4281" b="1" i="0" u="none" strike="noStrike" cap="none">
+                <a:solidFill>
+                  <a:srgbClr val="0000FF"/>
+                </a:solidFill>
+                <a:latin typeface="Arial"/>
+                <a:ea typeface="Arial"/>
+                <a:cs typeface="Arial"/>
+                <a:sym typeface="Arial"/>
+              </a:rPr>
+              <a:t>B</a:t>
+            </a:r>
+            <a:r>
+              <a:rPr lang="en-US" sz="4281" b="0" i="0" u="none" strike="noStrike" cap="none">
+                <a:solidFill>
+                  <a:srgbClr val="000000"/>
+                </a:solidFill>
+                <a:latin typeface="Arial"/>
+                <a:ea typeface="Arial"/>
+                <a:cs typeface="Arial"/>
+                <a:sym typeface="Arial"/>
+              </a:rPr>
+              <a:t> and </a:t>
+            </a:r>
+            <a:r>
+              <a:rPr lang="en-US" sz="4281" b="1" i="0" u="none" strike="noStrike" cap="none">
+                <a:solidFill>
+                  <a:schemeClr val="lt2"/>
+                </a:solidFill>
+                <a:latin typeface="Arial"/>
+                <a:ea typeface="Arial"/>
+                <a:cs typeface="Arial"/>
+                <a:sym typeface="Arial"/>
+              </a:rPr>
+              <a:t>Y</a:t>
+            </a:r>
+            <a:r>
+              <a:rPr lang="en-US" sz="4281" b="1" i="0" u="none" strike="noStrike" cap="none">
+                <a:solidFill>
+                  <a:srgbClr val="7F7F00"/>
+                </a:solidFill>
+                <a:latin typeface="Arial"/>
+                <a:ea typeface="Arial"/>
+                <a:cs typeface="Arial"/>
+                <a:sym typeface="Arial"/>
+              </a:rPr>
+              <a:t>U</a:t>
+            </a:r>
+            <a:r>
+              <a:rPr lang="en-US" sz="4281" b="1" i="0" u="none" strike="noStrike" cap="none">
+                <a:solidFill>
+                  <a:srgbClr val="007F7F"/>
+                </a:solidFill>
+                <a:latin typeface="Arial"/>
+                <a:ea typeface="Arial"/>
+                <a:cs typeface="Arial"/>
+                <a:sym typeface="Arial"/>
+              </a:rPr>
+              <a:t>V</a:t>
+            </a:r>
+            <a:endParaRPr/>
+          </a:p>
+        </p:txBody>
+      </p:sp>
+      <p:sp>
+        <p:nvSpPr>
+          <p:cNvPr id="357" name="Google Shape;357;p61"/>
+          <p:cNvSpPr txBox="1">
+            <a:spLocks noGrp="1"/>
+          </p:cNvSpPr>
+          <p:nvPr>
+            <p:ph type="sldNum" idx="12"/>
+          </p:nvPr>
+        </p:nvSpPr>
+        <p:spPr>
+          <a:xfrm>
+            <a:off x="6457950" y="6356351"/>
+            <a:ext cx="2057400" cy="365125"/>
+          </a:xfrm>
+          <a:prstGeom prst="rect">
+            <a:avLst/>
+          </a:prstGeom>
+          <a:noFill/>
+          <a:ln>
+            <a:noFill/>
+          </a:ln>
+        </p:spPr>
+        <p:txBody>
+          <a:bodyPr spcFirstLastPara="1" wrap="square" lIns="52125" tIns="52125" rIns="52125" bIns="52125" anchor="t" anchorCtr="0">
+            <a:noAutofit/>
+          </a:bodyPr>
+          <a:lstStyle/>
+          <a:p>
+            <a:pPr marL="0" marR="0" lvl="0" indent="0" algn="r" rtl="0">
+              <a:spcBef>
+                <a:spcPts val="0"/>
+              </a:spcBef>
+              <a:spcAft>
+                <a:spcPts val="0"/>
+              </a:spcAft>
+              <a:buNone/>
+            </a:pPr>
+            <a:fld id="{00000000-1234-1234-1234-123412341234}" type="slidenum">
+              <a:rPr lang="en-US" sz="1370" b="0" i="0" u="none" strike="noStrike" cap="none">
+                <a:latin typeface="Arial"/>
+                <a:ea typeface="Arial"/>
+                <a:cs typeface="Arial"/>
+                <a:sym typeface="Arial"/>
+              </a:rPr>
+              <a:t>23</a:t>
+            </a:fld>
+            <a:endParaRPr sz="1370" b="0" i="0" u="none" strike="noStrike" cap="none">
+              <a:latin typeface="Arial"/>
+              <a:ea typeface="Arial"/>
+              <a:cs typeface="Arial"/>
+              <a:sym typeface="Arial"/>
+            </a:endParaRPr>
+          </a:p>
+        </p:txBody>
+      </p:sp>
+      <p:sp>
+        <p:nvSpPr>
+          <p:cNvPr id="358" name="Google Shape;358;p61"/>
+          <p:cNvSpPr txBox="1">
+            <a:spLocks noGrp="1"/>
+          </p:cNvSpPr>
+          <p:nvPr>
+            <p:ph type="body" idx="1"/>
+          </p:nvPr>
+        </p:nvSpPr>
+        <p:spPr>
+          <a:xfrm>
+            <a:off x="628651" y="1825625"/>
+            <a:ext cx="2848355" cy="4351338"/>
+          </a:xfrm>
+          <a:prstGeom prst="rect">
+            <a:avLst/>
+          </a:prstGeom>
+          <a:noFill/>
+          <a:ln>
+            <a:noFill/>
+          </a:ln>
+        </p:spPr>
+        <p:txBody>
+          <a:bodyPr spcFirstLastPara="1" wrap="square" lIns="52125" tIns="52125" rIns="52125" bIns="52125" anchor="t" anchorCtr="0">
+            <a:noAutofit/>
+          </a:bodyPr>
+          <a:lstStyle/>
+          <a:p>
+            <a:pPr marL="334328" marR="0" lvl="0" indent="-334328" algn="l" rtl="0">
+              <a:spcBef>
+                <a:spcPts val="0"/>
+              </a:spcBef>
+              <a:spcAft>
+                <a:spcPts val="0"/>
+              </a:spcAft>
+              <a:buClr>
+                <a:schemeClr val="lt2"/>
+              </a:buClr>
+              <a:buSzPts val="2800"/>
+              <a:buFont typeface="Arial"/>
+              <a:buChar char="»"/>
+            </a:pPr>
+            <a:r>
+              <a:rPr lang="en-US" sz="2800" b="1" i="0" u="none" strike="noStrike" cap="none" dirty="0">
+                <a:solidFill>
+                  <a:schemeClr val="lt2"/>
+                </a:solidFill>
+                <a:latin typeface="Arial"/>
+                <a:ea typeface="Arial"/>
+                <a:cs typeface="Arial"/>
+                <a:sym typeface="Arial"/>
+              </a:rPr>
+              <a:t>Y</a:t>
+            </a:r>
+            <a:r>
+              <a:rPr lang="en-US" sz="2800" b="0" i="0" u="none" strike="noStrike" cap="none" dirty="0">
+                <a:solidFill>
+                  <a:srgbClr val="000000"/>
+                </a:solidFill>
+                <a:latin typeface="Arial"/>
+                <a:ea typeface="Arial"/>
+                <a:cs typeface="Arial"/>
+                <a:sym typeface="Arial"/>
+              </a:rPr>
+              <a:t> – Luminance</a:t>
+            </a:r>
+            <a:endParaRPr dirty="0"/>
+          </a:p>
+          <a:p>
+            <a:pPr marL="334328" marR="0" lvl="0" indent="-334328" algn="l" rtl="0">
+              <a:spcBef>
+                <a:spcPts val="685"/>
+              </a:spcBef>
+              <a:spcAft>
+                <a:spcPts val="0"/>
+              </a:spcAft>
+              <a:buClr>
+                <a:srgbClr val="000000"/>
+              </a:buClr>
+              <a:buSzPts val="2800"/>
+              <a:buFont typeface="Arial"/>
+              <a:buChar char="»"/>
+            </a:pPr>
+            <a:r>
+              <a:rPr lang="en-US" sz="2800" b="1" i="0" u="none" strike="noStrike" cap="none" dirty="0">
+                <a:solidFill>
+                  <a:srgbClr val="000000"/>
+                </a:solidFill>
+                <a:latin typeface="Arial"/>
+                <a:ea typeface="Arial"/>
+                <a:cs typeface="Arial"/>
+                <a:sym typeface="Arial"/>
+              </a:rPr>
+              <a:t>C</a:t>
+            </a:r>
+            <a:r>
+              <a:rPr lang="en-US" sz="2800" b="0" i="0" u="none" strike="noStrike" cap="none" dirty="0">
+                <a:solidFill>
+                  <a:srgbClr val="000000"/>
+                </a:solidFill>
+                <a:latin typeface="Arial"/>
+                <a:ea typeface="Arial"/>
+                <a:cs typeface="Arial"/>
+                <a:sym typeface="Arial"/>
+              </a:rPr>
+              <a:t> – Chrominance:</a:t>
+            </a:r>
+            <a:endParaRPr dirty="0"/>
+          </a:p>
+          <a:p>
+            <a:pPr marL="759714" marR="0" lvl="1" indent="-313943" algn="l" rtl="0">
+              <a:spcBef>
+                <a:spcPts val="685"/>
+              </a:spcBef>
+              <a:spcAft>
+                <a:spcPts val="0"/>
+              </a:spcAft>
+              <a:buClr>
+                <a:srgbClr val="7F7F00"/>
+              </a:buClr>
+              <a:buSzPts val="2800"/>
+              <a:buFont typeface="Arial"/>
+              <a:buChar char="–"/>
+            </a:pPr>
+            <a:r>
+              <a:rPr lang="en-US" sz="2800" b="1" i="0" u="none" strike="noStrike" cap="none" dirty="0">
+                <a:solidFill>
+                  <a:srgbClr val="7F7F00"/>
+                </a:solidFill>
+                <a:latin typeface="Arial"/>
+                <a:ea typeface="Arial"/>
+                <a:cs typeface="Arial"/>
+                <a:sym typeface="Arial"/>
+              </a:rPr>
+              <a:t>U</a:t>
+            </a:r>
+            <a:r>
+              <a:rPr lang="en-US" sz="2800" b="0" i="0" u="none" strike="noStrike" cap="none" dirty="0">
+                <a:solidFill>
+                  <a:srgbClr val="7F7F00"/>
+                </a:solidFill>
+                <a:latin typeface="Arial"/>
+                <a:ea typeface="Arial"/>
+                <a:cs typeface="Arial"/>
+                <a:sym typeface="Arial"/>
+              </a:rPr>
+              <a:t> (</a:t>
+            </a:r>
+            <a:r>
+              <a:rPr lang="en-US" sz="2800" b="1" i="0" u="none" strike="noStrike" cap="none" dirty="0">
+                <a:solidFill>
+                  <a:srgbClr val="7F7F00"/>
+                </a:solidFill>
+                <a:latin typeface="Arial"/>
+                <a:ea typeface="Arial"/>
+                <a:cs typeface="Arial"/>
+                <a:sym typeface="Arial"/>
+              </a:rPr>
+              <a:t>B</a:t>
+            </a:r>
+            <a:r>
+              <a:rPr lang="en-US" sz="2800" b="0" i="0" u="none" strike="noStrike" cap="none" dirty="0">
+                <a:solidFill>
+                  <a:srgbClr val="7F7F00"/>
+                </a:solidFill>
+                <a:latin typeface="Arial"/>
+                <a:ea typeface="Arial"/>
+                <a:cs typeface="Arial"/>
+                <a:sym typeface="Arial"/>
+              </a:rPr>
+              <a:t>-</a:t>
+            </a:r>
+            <a:r>
+              <a:rPr lang="en-US" sz="2800" b="1" i="0" u="none" strike="noStrike" cap="none" dirty="0">
+                <a:solidFill>
+                  <a:srgbClr val="7F7F00"/>
+                </a:solidFill>
+                <a:latin typeface="Arial"/>
+                <a:ea typeface="Arial"/>
+                <a:cs typeface="Arial"/>
+                <a:sym typeface="Arial"/>
+              </a:rPr>
+              <a:t>Y</a:t>
+            </a:r>
+            <a:r>
+              <a:rPr lang="en-US" sz="2800" b="0" i="0" u="none" strike="noStrike" cap="none" dirty="0">
+                <a:solidFill>
+                  <a:srgbClr val="7F7F00"/>
+                </a:solidFill>
+                <a:latin typeface="Arial"/>
+                <a:ea typeface="Arial"/>
+                <a:cs typeface="Arial"/>
+                <a:sym typeface="Arial"/>
+              </a:rPr>
+              <a:t>)</a:t>
+            </a:r>
+            <a:endParaRPr dirty="0"/>
+          </a:p>
+          <a:p>
+            <a:pPr marL="759714" marR="0" lvl="1" indent="-313943" algn="l" rtl="0">
+              <a:spcBef>
+                <a:spcPts val="685"/>
+              </a:spcBef>
+              <a:spcAft>
+                <a:spcPts val="0"/>
+              </a:spcAft>
+              <a:buClr>
+                <a:srgbClr val="007F7F"/>
+              </a:buClr>
+              <a:buSzPts val="2800"/>
+              <a:buFont typeface="Arial"/>
+              <a:buChar char="–"/>
+            </a:pPr>
+            <a:r>
+              <a:rPr lang="en-US" sz="2800" b="1" i="0" u="none" strike="noStrike" cap="none" dirty="0">
+                <a:solidFill>
+                  <a:srgbClr val="007F7F"/>
+                </a:solidFill>
+                <a:latin typeface="Arial"/>
+                <a:ea typeface="Arial"/>
+                <a:cs typeface="Arial"/>
+                <a:sym typeface="Arial"/>
+              </a:rPr>
+              <a:t>V</a:t>
+            </a:r>
+            <a:r>
+              <a:rPr lang="en-US" sz="2800" b="0" i="0" u="none" strike="noStrike" cap="none" dirty="0">
+                <a:solidFill>
+                  <a:srgbClr val="007F7F"/>
+                </a:solidFill>
+                <a:latin typeface="Arial"/>
+                <a:ea typeface="Arial"/>
+                <a:cs typeface="Arial"/>
+                <a:sym typeface="Arial"/>
+              </a:rPr>
+              <a:t> (</a:t>
+            </a:r>
+            <a:r>
+              <a:rPr lang="en-US" sz="2800" b="1" i="0" u="none" strike="noStrike" cap="none" dirty="0">
+                <a:solidFill>
+                  <a:srgbClr val="007F7F"/>
+                </a:solidFill>
+                <a:latin typeface="Arial"/>
+                <a:ea typeface="Arial"/>
+                <a:cs typeface="Arial"/>
+                <a:sym typeface="Arial"/>
+              </a:rPr>
+              <a:t>R</a:t>
+            </a:r>
+            <a:r>
+              <a:rPr lang="en-US" sz="2800" b="0" i="0" u="none" strike="noStrike" cap="none" dirty="0">
+                <a:solidFill>
+                  <a:srgbClr val="007F7F"/>
+                </a:solidFill>
+                <a:latin typeface="Arial"/>
+                <a:ea typeface="Arial"/>
+                <a:cs typeface="Arial"/>
+                <a:sym typeface="Arial"/>
+              </a:rPr>
+              <a:t>-</a:t>
+            </a:r>
+            <a:r>
+              <a:rPr lang="en-US" sz="2800" b="1" i="0" u="none" strike="noStrike" cap="none" dirty="0">
+                <a:solidFill>
+                  <a:srgbClr val="007F7F"/>
+                </a:solidFill>
+                <a:latin typeface="Arial"/>
+                <a:ea typeface="Arial"/>
+                <a:cs typeface="Arial"/>
+                <a:sym typeface="Arial"/>
+              </a:rPr>
+              <a:t>Y</a:t>
+            </a:r>
+            <a:r>
+              <a:rPr lang="en-US" sz="2800" b="0" i="0" u="none" strike="noStrike" cap="none" dirty="0">
+                <a:solidFill>
+                  <a:srgbClr val="007F7F"/>
+                </a:solidFill>
+                <a:latin typeface="Arial"/>
+                <a:ea typeface="Arial"/>
+                <a:cs typeface="Arial"/>
+                <a:sym typeface="Arial"/>
+              </a:rPr>
+              <a:t>)</a:t>
+            </a:r>
+          </a:p>
+          <a:p>
+            <a:pPr indent="-457200">
+              <a:buClrTx/>
+              <a:buSzPts val="2800"/>
+            </a:pPr>
+            <a:r>
+              <a:rPr lang="en-GB" sz="2800" dirty="0"/>
+              <a:t>Related to </a:t>
+            </a:r>
+            <a:r>
+              <a:rPr lang="en-GB" sz="2800" i="1" dirty="0"/>
+              <a:t>pixel formats</a:t>
+            </a:r>
+            <a:r>
+              <a:rPr lang="en-GB" sz="2800" dirty="0"/>
+              <a:t> and </a:t>
+            </a:r>
+            <a:r>
+              <a:rPr lang="en-GB" sz="2800" i="1" dirty="0" err="1"/>
+              <a:t>FourCC</a:t>
+            </a:r>
+            <a:r>
+              <a:rPr lang="en-GB" sz="2800" i="1" dirty="0"/>
+              <a:t> codes</a:t>
+            </a:r>
+            <a:r>
+              <a:rPr lang="en-GB" sz="2800" dirty="0"/>
+              <a:t>.</a:t>
+            </a:r>
+            <a:endParaRPr sz="2800" dirty="0"/>
+          </a:p>
+        </p:txBody>
+      </p:sp>
+    </p:spTree>
+  </p:cSld>
+  <p:clrMapOvr>
+    <a:masterClrMapping/>
+  </p:clrMapOvr>
+  <mc:AlternateContent xmlns:mc="http://schemas.openxmlformats.org/markup-compatibility/2006" xmlns:p14="http://schemas.microsoft.com/office/powerpoint/2010/main">
+    <mc:Choice Requires="p14">
+      <p:transition spd="slow" p14:dur="2000" advTm="186680"/>
+    </mc:Choice>
+    <mc:Fallback xmlns="">
+      <p:transition spd="slow" advTm="186680"/>
+    </mc:Fallback>
+  </mc:AlternateContent>
+</p:sld>
+</file>
+
+<file path=ppt/slides/slide24.xml><?xml version="1.0" encoding="utf-8"?>
+<p:sld xmlns:a="http://schemas.openxmlformats.org/drawingml/2006/main" xmlns:r="http://schemas.openxmlformats.org/officeDocument/2006/relationships" xmlns:p="http://schemas.openxmlformats.org/presentationml/2006/main">
+  <p:cSld>
+    <p:spTree>
+      <p:nvGrpSpPr>
         <p:cNvPr id="1" name="Shape 362"/>
         <p:cNvGrpSpPr/>
         <p:nvPr/>
@@ -39529,7 +40117,7 @@
                 <a:cs typeface="Arial"/>
                 <a:sym typeface="Arial"/>
               </a:rPr>
-              <a:t>23</a:t>
+              <a:t>24</a:t>
             </a:fld>
             <a:endParaRPr sz="1370" b="0" i="0" u="none" strike="noStrike" cap="none">
               <a:latin typeface="Arial"/>
@@ -39551,594 +40139,6 @@
     </mc:Choice>
     <mc:Fallback xmlns="">
       <p:transition spd="slow" advTm="39261"/>
-    </mc:Fallback>
-  </mc:AlternateContent>
-</p:sld>
-</file>
-
-<file path=ppt/slides/slide24.xml><?xml version="1.0" encoding="utf-8"?>
-<p:sld xmlns:a="http://schemas.openxmlformats.org/drawingml/2006/main" xmlns:r="http://schemas.openxmlformats.org/officeDocument/2006/relationships" xmlns:p="http://schemas.openxmlformats.org/presentationml/2006/main">
-  <p:cSld>
-    <p:spTree>
-      <p:nvGrpSpPr>
-        <p:cNvPr id="1" name="Shape 354"/>
-        <p:cNvGrpSpPr/>
-        <p:nvPr/>
-      </p:nvGrpSpPr>
-      <p:grpSpPr>
-        <a:xfrm>
-          <a:off x="0" y="0"/>
-          <a:ext cx="0" cy="0"/>
-          <a:chOff x="0" y="0"/>
-          <a:chExt cx="0" cy="0"/>
-        </a:xfrm>
-      </p:grpSpPr>
-      <p:pic>
-        <p:nvPicPr>
-          <p:cNvPr id="355" name="Google Shape;355;p61"/>
-          <p:cNvPicPr preferRelativeResize="0"/>
-          <p:nvPr/>
-        </p:nvPicPr>
-        <p:blipFill rotWithShape="1">
-          <a:blip r:embed="rId3">
-            <a:alphaModFix/>
-          </a:blip>
-          <a:srcRect/>
-          <a:stretch/>
-        </p:blipFill>
-        <p:spPr>
-          <a:xfrm>
-            <a:off x="3824477" y="1904281"/>
-            <a:ext cx="4690873" cy="3083114"/>
-          </a:xfrm>
-          <a:prstGeom prst="rect">
-            <a:avLst/>
-          </a:prstGeom>
-          <a:noFill/>
-          <a:ln>
-            <a:noFill/>
-          </a:ln>
-        </p:spPr>
-      </p:pic>
-      <p:sp>
-        <p:nvSpPr>
-          <p:cNvPr id="356" name="Google Shape;356;p61"/>
-          <p:cNvSpPr txBox="1">
-            <a:spLocks noGrp="1"/>
-          </p:cNvSpPr>
-          <p:nvPr>
-            <p:ph type="title"/>
-          </p:nvPr>
-        </p:nvSpPr>
-        <p:spPr>
-          <a:xfrm>
-            <a:off x="628650" y="365126"/>
-            <a:ext cx="7886700" cy="1325563"/>
-          </a:xfrm>
-          <a:prstGeom prst="rect">
-            <a:avLst/>
-          </a:prstGeom>
-          <a:noFill/>
-          <a:ln>
-            <a:noFill/>
-          </a:ln>
-        </p:spPr>
-        <p:txBody>
-          <a:bodyPr spcFirstLastPara="1" wrap="square" lIns="52125" tIns="52125" rIns="52125" bIns="52125" anchor="ctr" anchorCtr="0">
-            <a:noAutofit/>
-          </a:bodyPr>
-          <a:lstStyle/>
-          <a:p>
-            <a:pPr marL="0" marR="0" lvl="0" indent="0" algn="ctr" rtl="0">
-              <a:lnSpc>
-                <a:spcPct val="90000"/>
-              </a:lnSpc>
-              <a:spcBef>
-                <a:spcPts val="0"/>
-              </a:spcBef>
-              <a:spcAft>
-                <a:spcPts val="0"/>
-              </a:spcAft>
-              <a:buNone/>
-            </a:pPr>
-            <a:r>
-              <a:rPr lang="en-US" sz="4281" b="0" i="0" u="none" strike="noStrike" cap="none">
-                <a:solidFill>
-                  <a:srgbClr val="000000"/>
-                </a:solidFill>
-                <a:latin typeface="Arial"/>
-                <a:ea typeface="Arial"/>
-                <a:cs typeface="Arial"/>
-                <a:sym typeface="Arial"/>
-              </a:rPr>
-              <a:t>Colour Space Conversion –</a:t>
-            </a:r>
-            <a:br>
-              <a:rPr lang="en-US" sz="4281" b="0" i="0" u="none" strike="noStrike" cap="none">
-                <a:solidFill>
-                  <a:srgbClr val="000000"/>
-                </a:solidFill>
-                <a:latin typeface="Arial"/>
-                <a:ea typeface="Arial"/>
-                <a:cs typeface="Arial"/>
-                <a:sym typeface="Arial"/>
-              </a:rPr>
-            </a:br>
-            <a:r>
-              <a:rPr lang="en-US" sz="4281" b="1" i="0" u="none" strike="noStrike" cap="none">
-                <a:solidFill>
-                  <a:srgbClr val="FF0000"/>
-                </a:solidFill>
-                <a:latin typeface="Arial"/>
-                <a:ea typeface="Arial"/>
-                <a:cs typeface="Arial"/>
-                <a:sym typeface="Arial"/>
-              </a:rPr>
-              <a:t>R</a:t>
-            </a:r>
-            <a:r>
-              <a:rPr lang="en-US" sz="4281" b="1" i="0" u="none" strike="noStrike" cap="none">
-                <a:solidFill>
-                  <a:srgbClr val="00FF00"/>
-                </a:solidFill>
-                <a:latin typeface="Arial"/>
-                <a:ea typeface="Arial"/>
-                <a:cs typeface="Arial"/>
-                <a:sym typeface="Arial"/>
-              </a:rPr>
-              <a:t>G</a:t>
-            </a:r>
-            <a:r>
-              <a:rPr lang="en-US" sz="4281" b="1" i="0" u="none" strike="noStrike" cap="none">
-                <a:solidFill>
-                  <a:srgbClr val="0000FF"/>
-                </a:solidFill>
-                <a:latin typeface="Arial"/>
-                <a:ea typeface="Arial"/>
-                <a:cs typeface="Arial"/>
-                <a:sym typeface="Arial"/>
-              </a:rPr>
-              <a:t>B</a:t>
-            </a:r>
-            <a:r>
-              <a:rPr lang="en-US" sz="4281" b="0" i="0" u="none" strike="noStrike" cap="none">
-                <a:solidFill>
-                  <a:srgbClr val="000000"/>
-                </a:solidFill>
-                <a:latin typeface="Arial"/>
-                <a:ea typeface="Arial"/>
-                <a:cs typeface="Arial"/>
-                <a:sym typeface="Arial"/>
-              </a:rPr>
-              <a:t> and </a:t>
-            </a:r>
-            <a:r>
-              <a:rPr lang="en-US" sz="4281" b="1" i="0" u="none" strike="noStrike" cap="none">
-                <a:solidFill>
-                  <a:schemeClr val="lt2"/>
-                </a:solidFill>
-                <a:latin typeface="Arial"/>
-                <a:ea typeface="Arial"/>
-                <a:cs typeface="Arial"/>
-                <a:sym typeface="Arial"/>
-              </a:rPr>
-              <a:t>Y</a:t>
-            </a:r>
-            <a:r>
-              <a:rPr lang="en-US" sz="4281" b="1" i="0" u="none" strike="noStrike" cap="none">
-                <a:solidFill>
-                  <a:srgbClr val="7F7F00"/>
-                </a:solidFill>
-                <a:latin typeface="Arial"/>
-                <a:ea typeface="Arial"/>
-                <a:cs typeface="Arial"/>
-                <a:sym typeface="Arial"/>
-              </a:rPr>
-              <a:t>U</a:t>
-            </a:r>
-            <a:r>
-              <a:rPr lang="en-US" sz="4281" b="1" i="0" u="none" strike="noStrike" cap="none">
-                <a:solidFill>
-                  <a:srgbClr val="007F7F"/>
-                </a:solidFill>
-                <a:latin typeface="Arial"/>
-                <a:ea typeface="Arial"/>
-                <a:cs typeface="Arial"/>
-                <a:sym typeface="Arial"/>
-              </a:rPr>
-              <a:t>V</a:t>
-            </a:r>
-            <a:endParaRPr/>
-          </a:p>
-        </p:txBody>
-      </p:sp>
-      <p:sp>
-        <p:nvSpPr>
-          <p:cNvPr id="357" name="Google Shape;357;p61"/>
-          <p:cNvSpPr txBox="1">
-            <a:spLocks noGrp="1"/>
-          </p:cNvSpPr>
-          <p:nvPr>
-            <p:ph type="sldNum" idx="12"/>
-          </p:nvPr>
-        </p:nvSpPr>
-        <p:spPr>
-          <a:xfrm>
-            <a:off x="6457950" y="6356351"/>
-            <a:ext cx="2057400" cy="365125"/>
-          </a:xfrm>
-          <a:prstGeom prst="rect">
-            <a:avLst/>
-          </a:prstGeom>
-          <a:noFill/>
-          <a:ln>
-            <a:noFill/>
-          </a:ln>
-        </p:spPr>
-        <p:txBody>
-          <a:bodyPr spcFirstLastPara="1" wrap="square" lIns="52125" tIns="52125" rIns="52125" bIns="52125" anchor="t" anchorCtr="0">
-            <a:noAutofit/>
-          </a:bodyPr>
-          <a:lstStyle/>
-          <a:p>
-            <a:pPr marL="0" marR="0" lvl="0" indent="0" algn="r" rtl="0">
-              <a:spcBef>
-                <a:spcPts val="0"/>
-              </a:spcBef>
-              <a:spcAft>
-                <a:spcPts val="0"/>
-              </a:spcAft>
-              <a:buNone/>
-            </a:pPr>
-            <a:fld id="{00000000-1234-1234-1234-123412341234}" type="slidenum">
-              <a:rPr lang="en-US" sz="1370" b="0" i="0" u="none" strike="noStrike" cap="none">
-                <a:latin typeface="Arial"/>
-                <a:ea typeface="Arial"/>
-                <a:cs typeface="Arial"/>
-                <a:sym typeface="Arial"/>
-              </a:rPr>
-              <a:t>24</a:t>
-            </a:fld>
-            <a:endParaRPr sz="1370" b="0" i="0" u="none" strike="noStrike" cap="none">
-              <a:latin typeface="Arial"/>
-              <a:ea typeface="Arial"/>
-              <a:cs typeface="Arial"/>
-              <a:sym typeface="Arial"/>
-            </a:endParaRPr>
-          </a:p>
-        </p:txBody>
-      </p:sp>
-      <p:sp>
-        <p:nvSpPr>
-          <p:cNvPr id="358" name="Google Shape;358;p61"/>
-          <p:cNvSpPr txBox="1">
-            <a:spLocks noGrp="1"/>
-          </p:cNvSpPr>
-          <p:nvPr>
-            <p:ph type="body" idx="1"/>
-          </p:nvPr>
-        </p:nvSpPr>
-        <p:spPr>
-          <a:xfrm>
-            <a:off x="628651" y="1825625"/>
-            <a:ext cx="2848355" cy="4351338"/>
-          </a:xfrm>
-          <a:prstGeom prst="rect">
-            <a:avLst/>
-          </a:prstGeom>
-          <a:noFill/>
-          <a:ln>
-            <a:noFill/>
-          </a:ln>
-        </p:spPr>
-        <p:txBody>
-          <a:bodyPr spcFirstLastPara="1" wrap="square" lIns="52125" tIns="52125" rIns="52125" bIns="52125" anchor="t" anchorCtr="0">
-            <a:noAutofit/>
-          </a:bodyPr>
-          <a:lstStyle/>
-          <a:p>
-            <a:pPr marL="334328" marR="0" lvl="0" indent="-334328" algn="l" rtl="0">
-              <a:spcBef>
-                <a:spcPts val="0"/>
-              </a:spcBef>
-              <a:spcAft>
-                <a:spcPts val="0"/>
-              </a:spcAft>
-              <a:buClr>
-                <a:schemeClr val="lt2"/>
-              </a:buClr>
-              <a:buSzPts val="2800"/>
-              <a:buFont typeface="Arial"/>
-              <a:buChar char="»"/>
-            </a:pPr>
-            <a:r>
-              <a:rPr lang="en-US" sz="2800" b="1" i="0" u="none" strike="noStrike" cap="none" dirty="0">
-                <a:solidFill>
-                  <a:schemeClr val="lt2"/>
-                </a:solidFill>
-                <a:latin typeface="Arial"/>
-                <a:ea typeface="Arial"/>
-                <a:cs typeface="Arial"/>
-                <a:sym typeface="Arial"/>
-              </a:rPr>
-              <a:t>Y</a:t>
-            </a:r>
-            <a:r>
-              <a:rPr lang="en-US" sz="2800" b="0" i="0" u="none" strike="noStrike" cap="none" dirty="0">
-                <a:solidFill>
-                  <a:srgbClr val="000000"/>
-                </a:solidFill>
-                <a:latin typeface="Arial"/>
-                <a:ea typeface="Arial"/>
-                <a:cs typeface="Arial"/>
-                <a:sym typeface="Arial"/>
-              </a:rPr>
-              <a:t> – Luminance</a:t>
-            </a:r>
-            <a:endParaRPr dirty="0"/>
-          </a:p>
-          <a:p>
-            <a:pPr marL="334328" marR="0" lvl="0" indent="-334328" algn="l" rtl="0">
-              <a:spcBef>
-                <a:spcPts val="685"/>
-              </a:spcBef>
-              <a:spcAft>
-                <a:spcPts val="0"/>
-              </a:spcAft>
-              <a:buClr>
-                <a:srgbClr val="000000"/>
-              </a:buClr>
-              <a:buSzPts val="2800"/>
-              <a:buFont typeface="Arial"/>
-              <a:buChar char="»"/>
-            </a:pPr>
-            <a:r>
-              <a:rPr lang="en-US" sz="2800" b="1" i="0" u="none" strike="noStrike" cap="none" dirty="0">
-                <a:solidFill>
-                  <a:srgbClr val="000000"/>
-                </a:solidFill>
-                <a:latin typeface="Arial"/>
-                <a:ea typeface="Arial"/>
-                <a:cs typeface="Arial"/>
-                <a:sym typeface="Arial"/>
-              </a:rPr>
-              <a:t>C</a:t>
-            </a:r>
-            <a:r>
-              <a:rPr lang="en-US" sz="2800" b="0" i="0" u="none" strike="noStrike" cap="none" dirty="0">
-                <a:solidFill>
-                  <a:srgbClr val="000000"/>
-                </a:solidFill>
-                <a:latin typeface="Arial"/>
-                <a:ea typeface="Arial"/>
-                <a:cs typeface="Arial"/>
-                <a:sym typeface="Arial"/>
-              </a:rPr>
-              <a:t> – Chrominance:</a:t>
-            </a:r>
-            <a:endParaRPr dirty="0"/>
-          </a:p>
-          <a:p>
-            <a:pPr marL="759714" marR="0" lvl="1" indent="-313943" algn="l" rtl="0">
-              <a:spcBef>
-                <a:spcPts val="685"/>
-              </a:spcBef>
-              <a:spcAft>
-                <a:spcPts val="0"/>
-              </a:spcAft>
-              <a:buClr>
-                <a:srgbClr val="7F7F00"/>
-              </a:buClr>
-              <a:buSzPts val="2800"/>
-              <a:buFont typeface="Arial"/>
-              <a:buChar char="–"/>
-            </a:pPr>
-            <a:r>
-              <a:rPr lang="en-US" sz="2800" b="1" i="0" u="none" strike="noStrike" cap="none" dirty="0">
-                <a:solidFill>
-                  <a:srgbClr val="7F7F00"/>
-                </a:solidFill>
-                <a:latin typeface="Arial"/>
-                <a:ea typeface="Arial"/>
-                <a:cs typeface="Arial"/>
-                <a:sym typeface="Arial"/>
-              </a:rPr>
-              <a:t>U</a:t>
-            </a:r>
-            <a:r>
-              <a:rPr lang="en-US" sz="2800" b="0" i="0" u="none" strike="noStrike" cap="none" dirty="0">
-                <a:solidFill>
-                  <a:srgbClr val="7F7F00"/>
-                </a:solidFill>
-                <a:latin typeface="Arial"/>
-                <a:ea typeface="Arial"/>
-                <a:cs typeface="Arial"/>
-                <a:sym typeface="Arial"/>
-              </a:rPr>
-              <a:t> (</a:t>
-            </a:r>
-            <a:r>
-              <a:rPr lang="en-US" sz="2800" b="1" i="0" u="none" strike="noStrike" cap="none" dirty="0">
-                <a:solidFill>
-                  <a:srgbClr val="7F7F00"/>
-                </a:solidFill>
-                <a:latin typeface="Arial"/>
-                <a:ea typeface="Arial"/>
-                <a:cs typeface="Arial"/>
-                <a:sym typeface="Arial"/>
-              </a:rPr>
-              <a:t>B</a:t>
-            </a:r>
-            <a:r>
-              <a:rPr lang="en-US" sz="2800" b="0" i="0" u="none" strike="noStrike" cap="none" dirty="0">
-                <a:solidFill>
-                  <a:srgbClr val="7F7F00"/>
-                </a:solidFill>
-                <a:latin typeface="Arial"/>
-                <a:ea typeface="Arial"/>
-                <a:cs typeface="Arial"/>
-                <a:sym typeface="Arial"/>
-              </a:rPr>
-              <a:t>-</a:t>
-            </a:r>
-            <a:r>
-              <a:rPr lang="en-US" sz="2800" b="1" i="0" u="none" strike="noStrike" cap="none" dirty="0">
-                <a:solidFill>
-                  <a:srgbClr val="7F7F00"/>
-                </a:solidFill>
-                <a:latin typeface="Arial"/>
-                <a:ea typeface="Arial"/>
-                <a:cs typeface="Arial"/>
-                <a:sym typeface="Arial"/>
-              </a:rPr>
-              <a:t>Y</a:t>
-            </a:r>
-            <a:r>
-              <a:rPr lang="en-US" sz="2800" b="0" i="0" u="none" strike="noStrike" cap="none" dirty="0">
-                <a:solidFill>
-                  <a:srgbClr val="7F7F00"/>
-                </a:solidFill>
-                <a:latin typeface="Arial"/>
-                <a:ea typeface="Arial"/>
-                <a:cs typeface="Arial"/>
-                <a:sym typeface="Arial"/>
-              </a:rPr>
-              <a:t>)</a:t>
-            </a:r>
-            <a:endParaRPr dirty="0"/>
-          </a:p>
-          <a:p>
-            <a:pPr marL="759714" marR="0" lvl="1" indent="-313943" algn="l" rtl="0">
-              <a:spcBef>
-                <a:spcPts val="685"/>
-              </a:spcBef>
-              <a:spcAft>
-                <a:spcPts val="0"/>
-              </a:spcAft>
-              <a:buClr>
-                <a:srgbClr val="007F7F"/>
-              </a:buClr>
-              <a:buSzPts val="2800"/>
-              <a:buFont typeface="Arial"/>
-              <a:buChar char="–"/>
-            </a:pPr>
-            <a:r>
-              <a:rPr lang="en-US" sz="2800" b="1" i="0" u="none" strike="noStrike" cap="none" dirty="0">
-                <a:solidFill>
-                  <a:srgbClr val="007F7F"/>
-                </a:solidFill>
-                <a:latin typeface="Arial"/>
-                <a:ea typeface="Arial"/>
-                <a:cs typeface="Arial"/>
-                <a:sym typeface="Arial"/>
-              </a:rPr>
-              <a:t>V</a:t>
-            </a:r>
-            <a:r>
-              <a:rPr lang="en-US" sz="2800" b="0" i="0" u="none" strike="noStrike" cap="none" dirty="0">
-                <a:solidFill>
-                  <a:srgbClr val="007F7F"/>
-                </a:solidFill>
-                <a:latin typeface="Arial"/>
-                <a:ea typeface="Arial"/>
-                <a:cs typeface="Arial"/>
-                <a:sym typeface="Arial"/>
-              </a:rPr>
-              <a:t> (</a:t>
-            </a:r>
-            <a:r>
-              <a:rPr lang="en-US" sz="2800" b="1" i="0" u="none" strike="noStrike" cap="none" dirty="0">
-                <a:solidFill>
-                  <a:srgbClr val="007F7F"/>
-                </a:solidFill>
-                <a:latin typeface="Arial"/>
-                <a:ea typeface="Arial"/>
-                <a:cs typeface="Arial"/>
-                <a:sym typeface="Arial"/>
-              </a:rPr>
-              <a:t>R</a:t>
-            </a:r>
-            <a:r>
-              <a:rPr lang="en-US" sz="2800" b="0" i="0" u="none" strike="noStrike" cap="none" dirty="0">
-                <a:solidFill>
-                  <a:srgbClr val="007F7F"/>
-                </a:solidFill>
-                <a:latin typeface="Arial"/>
-                <a:ea typeface="Arial"/>
-                <a:cs typeface="Arial"/>
-                <a:sym typeface="Arial"/>
-              </a:rPr>
-              <a:t>-</a:t>
-            </a:r>
-            <a:r>
-              <a:rPr lang="en-US" sz="2800" b="1" i="0" u="none" strike="noStrike" cap="none" dirty="0">
-                <a:solidFill>
-                  <a:srgbClr val="007F7F"/>
-                </a:solidFill>
-                <a:latin typeface="Arial"/>
-                <a:ea typeface="Arial"/>
-                <a:cs typeface="Arial"/>
-                <a:sym typeface="Arial"/>
-              </a:rPr>
-              <a:t>Y</a:t>
-            </a:r>
-            <a:r>
-              <a:rPr lang="en-US" sz="2800" b="0" i="0" u="none" strike="noStrike" cap="none" dirty="0">
-                <a:solidFill>
-                  <a:srgbClr val="007F7F"/>
-                </a:solidFill>
-                <a:latin typeface="Arial"/>
-                <a:ea typeface="Arial"/>
-                <a:cs typeface="Arial"/>
-                <a:sym typeface="Arial"/>
-              </a:rPr>
-              <a:t>)</a:t>
-            </a:r>
-          </a:p>
-          <a:p>
-            <a:pPr indent="-457200">
-              <a:buClrTx/>
-              <a:buSzPts val="2800"/>
-            </a:pPr>
-            <a:r>
-              <a:rPr lang="en-GB" sz="2800" dirty="0"/>
-              <a:t>Related to </a:t>
-            </a:r>
-            <a:r>
-              <a:rPr lang="en-GB" sz="2800" i="1" dirty="0"/>
-              <a:t>pixel formats</a:t>
-            </a:r>
-            <a:r>
-              <a:rPr lang="en-GB" sz="2800" dirty="0"/>
-              <a:t> and </a:t>
-            </a:r>
-            <a:r>
-              <a:rPr lang="en-GB" sz="2800" i="1" dirty="0" err="1"/>
-              <a:t>FourCC</a:t>
-            </a:r>
-            <a:r>
-              <a:rPr lang="en-GB" sz="2800" i="1" dirty="0"/>
-              <a:t> codes</a:t>
-            </a:r>
-            <a:r>
-              <a:rPr lang="en-GB" sz="2800" dirty="0"/>
-              <a:t>.</a:t>
-            </a:r>
-            <a:endParaRPr sz="2800" dirty="0"/>
-          </a:p>
-        </p:txBody>
-      </p:sp>
-    </p:spTree>
-  </p:cSld>
-  <p:clrMapOvr>
-    <a:masterClrMapping/>
-  </p:clrMapOvr>
-  <mc:AlternateContent xmlns:mc="http://schemas.openxmlformats.org/markup-compatibility/2006" xmlns:p14="http://schemas.microsoft.com/office/powerpoint/2010/main">
-    <mc:Choice Requires="p14">
-      <p:transition spd="slow" p14:dur="2000" advTm="186680"/>
-    </mc:Choice>
-    <mc:Fallback xmlns="">
-      <p:transition spd="slow" advTm="186680"/>
     </mc:Fallback>
   </mc:AlternateContent>
 </p:sld>
